--- a/Part 4/Lecture 4.pptx
+++ b/Part 4/Lecture 4.pptx
@@ -21,7 +21,7 @@
     <p:sldId id="347" r:id="rId12"/>
     <p:sldId id="311" r:id="rId13"/>
     <p:sldId id="301" r:id="rId14"/>
-    <p:sldId id="348" r:id="rId15"/>
+    <p:sldId id="356" r:id="rId15"/>
     <p:sldId id="306" r:id="rId16"/>
     <p:sldId id="309" r:id="rId17"/>
     <p:sldId id="310" r:id="rId18"/>
@@ -137,44 +137,6 @@
     </a:lvl9pPr>
   </p:defaultTextStyle>
   <p:extLst>
-    <p:ext uri="{521415D9-36F7-43E2-AB2F-B90AF26B5E84}">
-      <p14:sectionLst xmlns:p14="http://schemas.microsoft.com/office/powerpoint/2010/main">
-        <p14:section name="Lecture 4A" id="{F99328A7-D403-4841-BCC5-617997EF0B9A}">
-          <p14:sldIdLst>
-            <p14:sldId id="340"/>
-            <p14:sldId id="341"/>
-            <p14:sldId id="342"/>
-            <p14:sldId id="299"/>
-            <p14:sldId id="277"/>
-            <p14:sldId id="343"/>
-            <p14:sldId id="344"/>
-            <p14:sldId id="280"/>
-            <p14:sldId id="345"/>
-            <p14:sldId id="346"/>
-            <p14:sldId id="347"/>
-            <p14:sldId id="311"/>
-            <p14:sldId id="301"/>
-            <p14:sldId id="348"/>
-            <p14:sldId id="306"/>
-            <p14:sldId id="309"/>
-            <p14:sldId id="310"/>
-            <p14:sldId id="349"/>
-            <p14:sldId id="265"/>
-            <p14:sldId id="305"/>
-            <p14:sldId id="350"/>
-            <p14:sldId id="308"/>
-            <p14:sldId id="351"/>
-            <p14:sldId id="313"/>
-            <p14:sldId id="352"/>
-            <p14:sldId id="353"/>
-            <p14:sldId id="314"/>
-            <p14:sldId id="354"/>
-            <p14:sldId id="355"/>
-            <p14:sldId id="307"/>
-          </p14:sldIdLst>
-        </p14:section>
-      </p14:sectionLst>
-    </p:ext>
     <p:ext uri="{EFAFB233-063F-42B5-8137-9DF3F51BA10A}">
       <p15:sldGuideLst xmlns:p15="http://schemas.microsoft.com/office/powerpoint/2012/main"/>
     </p:ext>
@@ -1278,7 +1240,7 @@
           <a:p>
             <a:fld id="{D50EBD97-50EF-EF40-B6C8-8EEC5922A707}" type="datetimeFigureOut">
               <a:rPr lang="en-US" smtClean="0"/>
-              <a:t>7/29/25</a:t>
+              <a:t>7/30/25</a:t>
             </a:fld>
             <a:endParaRPr lang="en-US"/>
           </a:p>
@@ -1589,10 +1551,7 @@
           <a:bodyPr/>
           <a:lstStyle/>
           <a:p>
-            <a:r>
-              <a:rPr lang="en-US" dirty="0"/>
-              <a:t>4</a:t>
-            </a:r>
+            <a:endParaRPr lang="en-US" dirty="0"/>
           </a:p>
         </p:txBody>
       </p:sp>
@@ -2014,9 +1973,6 @@
               </a:rPr>
               <a:t>)."</a:t>
             </a:r>
-          </a:p>
-          <a:p>
-            <a:endParaRPr lang="en-US" dirty="0"/>
           </a:p>
         </p:txBody>
       </p:sp>
@@ -5287,7 +5243,7 @@
           <a:p>
             <a:r>
               <a:rPr lang="en-US" sz="2400" dirty="0"/>
-              <a:t>Rubella correlate of protection is 9.36 IU/ml (International Units per milliliter)</a:t>
+              <a:t>Rubella correlate of protection is 9.36 IU/ml (international units per milliliter)</a:t>
             </a:r>
           </a:p>
           <a:p>
@@ -5366,15 +5322,7 @@
           <a:p>
             <a:r>
               <a:rPr lang="en-US" dirty="0"/>
-              <a:t>Histograms of rubella (</a:t>
-            </a:r>
-            <a:r>
-              <a:rPr lang="en-US" dirty="0" err="1"/>
-              <a:t>wruv</a:t>
-            </a:r>
-            <a:r>
-              <a:rPr lang="en-US" dirty="0"/>
-              <a:t>) antibody responses</a:t>
+              <a:t>Histograms of rubella antibody responses</a:t>
             </a:r>
           </a:p>
         </p:txBody>
@@ -5890,8 +5838,8 @@
         </p:nvSpPr>
         <p:spPr>
           <a:xfrm>
-            <a:off x="1097692" y="1863488"/>
-            <a:ext cx="10256108" cy="4149005"/>
+            <a:off x="755277" y="1863488"/>
+            <a:ext cx="10681447" cy="4149005"/>
           </a:xfrm>
           <a:prstGeom prst="rect">
             <a:avLst/>
@@ -5899,7 +5847,7 @@
         </p:spPr>
         <p:txBody>
           <a:bodyPr vert="horz" lIns="91440" tIns="45720" rIns="91440" bIns="45720" rtlCol="0">
-            <a:normAutofit lnSpcReduction="10000"/>
+            <a:normAutofit/>
           </a:bodyPr>
           <a:lstStyle>
             <a:lvl1pPr marL="228600" indent="-228600" algn="l" defTabSz="914400" rtl="0" eaLnBrk="1" latinLnBrk="0" hangingPunct="1">
@@ -6071,6 +6019,9 @@
             </a:pPr>
             <a:r>
               <a:rPr lang="en-US" sz="2800" i="1" kern="100" dirty="0">
+                <a:solidFill>
+                  <a:srgbClr val="C00000"/>
+                </a:solidFill>
                 <a:effectLst/>
                 <a:latin typeface="Aptos" panose="020B0004020202020204" pitchFamily="34" charset="0"/>
                 <a:ea typeface="Aptos" panose="020B0004020202020204" pitchFamily="34" charset="0"/>
@@ -6118,7 +6069,7 @@
                 <a:ea typeface="Aptos" panose="020B0004020202020204" pitchFamily="34" charset="0"/>
                 <a:cs typeface="Times New Roman" panose="02020603050405020304" pitchFamily="18" charset="0"/>
               </a:rPr>
-              <a:t>IU/mL concentrations</a:t>
+              <a:t>IU/ml concentrations</a:t>
             </a:r>
             <a:r>
               <a:rPr lang="en-US" sz="2800" kern="100" dirty="0">
@@ -6203,7 +6154,7 @@
         <p:spPr>
           <a:xfrm>
             <a:off x="838200" y="1920789"/>
-            <a:ext cx="3981548" cy="1938992"/>
+            <a:ext cx="3981548" cy="2308324"/>
           </a:xfrm>
           <a:prstGeom prst="rect">
             <a:avLst/>
@@ -6218,7 +6169,7 @@
           <a:p>
             <a:r>
               <a:rPr lang="en-US" sz="2400" dirty="0"/>
-              <a:t>For rubella (WRUV), we can apply the cutoff (based on correlate of protection) of 9.36 IU/ml to determine individual serostatus</a:t>
+              <a:t>For rubella (the “WRUV” antigen), we can apply the cutoff (based on correlate of protection) of 9.36 IU/ml to determine individual serostatus.</a:t>
             </a:r>
           </a:p>
         </p:txBody>
@@ -6407,53 +6358,6 @@
           <a:ln>
             <a:solidFill>
               <a:srgbClr val="FF0000"/>
-            </a:solidFill>
-            <a:tailEnd type="triangle"/>
-          </a:ln>
-        </p:spPr>
-        <p:style>
-          <a:lnRef idx="2">
-            <a:schemeClr val="accent1"/>
-          </a:lnRef>
-          <a:fillRef idx="0">
-            <a:schemeClr val="accent1"/>
-          </a:fillRef>
-          <a:effectRef idx="1">
-            <a:schemeClr val="accent1"/>
-          </a:effectRef>
-          <a:fontRef idx="minor">
-            <a:schemeClr val="tx1"/>
-          </a:fontRef>
-        </p:style>
-      </p:cxnSp>
-      <p:cxnSp>
-        <p:nvCxnSpPr>
-          <p:cNvPr id="72" name="Straight Arrow Connector 71">
-            <a:extLst>
-              <a:ext uri="{FF2B5EF4-FFF2-40B4-BE49-F238E27FC236}">
-                <a16:creationId xmlns:a16="http://schemas.microsoft.com/office/drawing/2014/main" id="{DAD1DE4E-18EB-ADFD-5E7D-B933050400C9}"/>
-              </a:ext>
-            </a:extLst>
-          </p:cNvPr>
-          <p:cNvCxnSpPr>
-            <a:cxnSpLocks/>
-          </p:cNvCxnSpPr>
-          <p:nvPr/>
-        </p:nvCxnSpPr>
-        <p:spPr>
-          <a:xfrm flipV="1">
-            <a:off x="-135113" y="5872932"/>
-            <a:ext cx="0" cy="441452"/>
-          </a:xfrm>
-          <a:prstGeom prst="straightConnector1">
-            <a:avLst/>
-          </a:prstGeom>
-          <a:ln>
-            <a:solidFill>
-              <a:schemeClr val="tx1">
-                <a:lumMod val="50000"/>
-                <a:lumOff val="50000"/>
-              </a:schemeClr>
             </a:solidFill>
             <a:tailEnd type="triangle"/>
           </a:ln>
@@ -6991,7 +6895,13 @@
   <p:cSld>
     <p:spTree>
       <p:nvGrpSpPr>
-        <p:cNvPr id="1" name=""/>
+        <p:cNvPr id="1" name="">
+          <a:extLst>
+            <a:ext uri="{FF2B5EF4-FFF2-40B4-BE49-F238E27FC236}">
+              <a16:creationId xmlns:a16="http://schemas.microsoft.com/office/drawing/2014/main" id="{12D52670-6330-9D91-EA4F-11C3F1103458}"/>
+            </a:ext>
+          </a:extLst>
+        </p:cNvPr>
         <p:cNvGrpSpPr/>
         <p:nvPr/>
       </p:nvGrpSpPr>
@@ -7008,7 +6918,7 @@
           <p:cNvPr id="2" name="Title 1">
             <a:extLst>
               <a:ext uri="{FF2B5EF4-FFF2-40B4-BE49-F238E27FC236}">
-                <a16:creationId xmlns:a16="http://schemas.microsoft.com/office/drawing/2014/main" id="{5578DAC8-E7DD-EB23-93B1-A20EAB8317A8}"/>
+                <a16:creationId xmlns:a16="http://schemas.microsoft.com/office/drawing/2014/main" id="{4B79F4F4-BFB4-C8D7-7C97-B5C0C688E51B}"/>
               </a:ext>
             </a:extLst>
           </p:cNvPr>
@@ -7036,7 +6946,7 @@
           <p:cNvPr id="3" name="Content Placeholder 2">
             <a:extLst>
               <a:ext uri="{FF2B5EF4-FFF2-40B4-BE49-F238E27FC236}">
-                <a16:creationId xmlns:a16="http://schemas.microsoft.com/office/drawing/2014/main" id="{D5846FC3-F3D5-A4FE-AB63-D33F95B247C0}"/>
+                <a16:creationId xmlns:a16="http://schemas.microsoft.com/office/drawing/2014/main" id="{AD885A12-ED50-FD4B-B795-3C61DF508DB5}"/>
               </a:ext>
             </a:extLst>
           </p:cNvPr>
@@ -7062,7 +6972,7 @@
             </a:pPr>
             <a:r>
               <a:rPr lang="en-US" dirty="0"/>
-              <a:t>For each sample in the dataset, we identify each as seropositive (1) or seronegative (0)</a:t>
+              <a:t>For each sample in the dataset, we convert the MFI value to a concentration value (IU/mL), and then classify each sample as seropositive (1) or seronegative (0)</a:t>
             </a:r>
             <a:endParaRPr lang="en-US" sz="1200" kern="100" dirty="0">
               <a:effectLst/>
@@ -7076,40 +6986,610 @@
           </a:p>
         </p:txBody>
       </p:sp>
-      <p:pic>
-        <p:nvPicPr>
-          <p:cNvPr id="5" name="Picture 4">
+      <p:graphicFrame>
+        <p:nvGraphicFramePr>
+          <p:cNvPr id="4" name="Table 3">
             <a:extLst>
               <a:ext uri="{FF2B5EF4-FFF2-40B4-BE49-F238E27FC236}">
-                <a16:creationId xmlns:a16="http://schemas.microsoft.com/office/drawing/2014/main" id="{4F152F44-FCA8-3046-6232-F575BD3B2FD2}"/>
+                <a16:creationId xmlns:a16="http://schemas.microsoft.com/office/drawing/2014/main" id="{5A9C6ADA-A55E-2D5E-BE83-6B74C55F9C1B}"/>
               </a:ext>
             </a:extLst>
           </p:cNvPr>
-          <p:cNvPicPr>
-            <a:picLocks noChangeAspect="1"/>
-          </p:cNvPicPr>
-          <p:nvPr/>
-        </p:nvPicPr>
-        <p:blipFill>
-          <a:blip r:embed="rId2"/>
-          <a:stretch>
-            <a:fillRect/>
-          </a:stretch>
-        </p:blipFill>
-        <p:spPr>
-          <a:xfrm>
-            <a:off x="4965162" y="1825625"/>
-            <a:ext cx="5926645" cy="3896653"/>
-          </a:xfrm>
-          <a:prstGeom prst="rect">
-            <a:avLst/>
-          </a:prstGeom>
-        </p:spPr>
-      </p:pic>
+          <p:cNvGraphicFramePr>
+            <a:graphicFrameLocks noGrp="1"/>
+          </p:cNvGraphicFramePr>
+          <p:nvPr>
+            <p:extLst>
+              <p:ext uri="{D42A27DB-BD31-4B8C-83A1-F6EECF244321}">
+                <p14:modId xmlns:p14="http://schemas.microsoft.com/office/powerpoint/2010/main" val="192823310"/>
+              </p:ext>
+            </p:extLst>
+          </p:nvPr>
+        </p:nvGraphicFramePr>
+        <p:xfrm>
+          <a:off x="4964953" y="1825625"/>
+          <a:ext cx="6048188" cy="3235960"/>
+        </p:xfrm>
+        <a:graphic>
+          <a:graphicData uri="http://schemas.openxmlformats.org/drawingml/2006/table">
+            <a:tbl>
+              <a:tblPr firstRow="1" bandRow="1">
+                <a:tableStyleId>{793D81CF-94F2-401A-BA57-92F5A7B2D0C5}</a:tableStyleId>
+              </a:tblPr>
+              <a:tblGrid>
+                <a:gridCol w="1512047">
+                  <a:extLst>
+                    <a:ext uri="{9D8B030D-6E8A-4147-A177-3AD203B41FA5}">
+                      <a16:colId xmlns:a16="http://schemas.microsoft.com/office/drawing/2014/main" val="1953611821"/>
+                    </a:ext>
+                  </a:extLst>
+                </a:gridCol>
+                <a:gridCol w="1512047">
+                  <a:extLst>
+                    <a:ext uri="{9D8B030D-6E8A-4147-A177-3AD203B41FA5}">
+                      <a16:colId xmlns:a16="http://schemas.microsoft.com/office/drawing/2014/main" val="241487674"/>
+                    </a:ext>
+                  </a:extLst>
+                </a:gridCol>
+                <a:gridCol w="1512047">
+                  <a:extLst>
+                    <a:ext uri="{9D8B030D-6E8A-4147-A177-3AD203B41FA5}">
+                      <a16:colId xmlns:a16="http://schemas.microsoft.com/office/drawing/2014/main" val="2503558030"/>
+                    </a:ext>
+                  </a:extLst>
+                </a:gridCol>
+                <a:gridCol w="1512047">
+                  <a:extLst>
+                    <a:ext uri="{9D8B030D-6E8A-4147-A177-3AD203B41FA5}">
+                      <a16:colId xmlns:a16="http://schemas.microsoft.com/office/drawing/2014/main" val="4204557537"/>
+                    </a:ext>
+                  </a:extLst>
+                </a:gridCol>
+              </a:tblGrid>
+              <a:tr h="370840">
+                <a:tc>
+                  <a:txBody>
+                    <a:bodyPr/>
+                    <a:lstStyle/>
+                    <a:p>
+                      <a:pPr algn="ctr"/>
+                      <a:r>
+                        <a:rPr lang="en-US" dirty="0"/>
+                        <a:t>Sample ID</a:t>
+                      </a:r>
+                    </a:p>
+                  </a:txBody>
+                  <a:tcPr/>
+                </a:tc>
+                <a:tc>
+                  <a:txBody>
+                    <a:bodyPr/>
+                    <a:lstStyle/>
+                    <a:p>
+                      <a:pPr algn="ctr"/>
+                      <a:r>
+                        <a:rPr lang="en-US" dirty="0"/>
+                        <a:t>WRUV MFI</a:t>
+                      </a:r>
+                    </a:p>
+                  </a:txBody>
+                  <a:tcPr/>
+                </a:tc>
+                <a:tc>
+                  <a:txBody>
+                    <a:bodyPr/>
+                    <a:lstStyle/>
+                    <a:p>
+                      <a:pPr algn="ctr"/>
+                      <a:r>
+                        <a:rPr lang="en-US" dirty="0"/>
+                        <a:t>WRUV IU/mL</a:t>
+                      </a:r>
+                    </a:p>
+                  </a:txBody>
+                  <a:tcPr/>
+                </a:tc>
+                <a:tc>
+                  <a:txBody>
+                    <a:bodyPr/>
+                    <a:lstStyle/>
+                    <a:p>
+                      <a:pPr algn="ctr"/>
+                      <a:r>
+                        <a:rPr lang="en-US" dirty="0"/>
+                        <a:t>Serostatus</a:t>
+                      </a:r>
+                    </a:p>
+                  </a:txBody>
+                  <a:tcPr/>
+                </a:tc>
+                <a:extLst>
+                  <a:ext uri="{0D108BD9-81ED-4DB2-BD59-A6C34878D82A}">
+                    <a16:rowId xmlns:a16="http://schemas.microsoft.com/office/drawing/2014/main" val="3286194765"/>
+                  </a:ext>
+                </a:extLst>
+              </a:tr>
+              <a:tr h="370840">
+                <a:tc>
+                  <a:txBody>
+                    <a:bodyPr/>
+                    <a:lstStyle/>
+                    <a:p>
+                      <a:pPr algn="ctr"/>
+                      <a:r>
+                        <a:rPr lang="en-US" dirty="0"/>
+                        <a:t>1</a:t>
+                      </a:r>
+                    </a:p>
+                  </a:txBody>
+                  <a:tcPr/>
+                </a:tc>
+                <a:tc>
+                  <a:txBody>
+                    <a:bodyPr/>
+                    <a:lstStyle/>
+                    <a:p>
+                      <a:pPr algn="ctr"/>
+                      <a:r>
+                        <a:rPr lang="en-US" dirty="0"/>
+                        <a:t>MFI_1</a:t>
+                      </a:r>
+                    </a:p>
+                  </a:txBody>
+                  <a:tcPr/>
+                </a:tc>
+                <a:tc>
+                  <a:txBody>
+                    <a:bodyPr/>
+                    <a:lstStyle/>
+                    <a:p>
+                      <a:pPr algn="ctr"/>
+                      <a:r>
+                        <a:rPr lang="en-US" dirty="0"/>
+                        <a:t>conc_1</a:t>
+                      </a:r>
+                    </a:p>
+                  </a:txBody>
+                  <a:tcPr/>
+                </a:tc>
+                <a:tc>
+                  <a:txBody>
+                    <a:bodyPr/>
+                    <a:lstStyle/>
+                    <a:p>
+                      <a:pPr algn="ctr"/>
+                      <a:r>
+                        <a:rPr lang="en-US" dirty="0"/>
+                        <a:t>1</a:t>
+                      </a:r>
+                    </a:p>
+                  </a:txBody>
+                  <a:tcPr/>
+                </a:tc>
+                <a:extLst>
+                  <a:ext uri="{0D108BD9-81ED-4DB2-BD59-A6C34878D82A}">
+                    <a16:rowId xmlns:a16="http://schemas.microsoft.com/office/drawing/2014/main" val="4973817"/>
+                  </a:ext>
+                </a:extLst>
+              </a:tr>
+              <a:tr h="370840">
+                <a:tc>
+                  <a:txBody>
+                    <a:bodyPr/>
+                    <a:lstStyle/>
+                    <a:p>
+                      <a:pPr algn="ctr"/>
+                      <a:r>
+                        <a:rPr lang="en-US" dirty="0"/>
+                        <a:t>2</a:t>
+                      </a:r>
+                    </a:p>
+                  </a:txBody>
+                  <a:tcPr/>
+                </a:tc>
+                <a:tc>
+                  <a:txBody>
+                    <a:bodyPr/>
+                    <a:lstStyle/>
+                    <a:p>
+                      <a:pPr marL="0" marR="0" lvl="0" indent="0" algn="ctr" defTabSz="914400" rtl="0" eaLnBrk="1" fontAlgn="auto" latinLnBrk="0" hangingPunct="1">
+                        <a:lnSpc>
+                          <a:spcPct val="100000"/>
+                        </a:lnSpc>
+                        <a:spcBef>
+                          <a:spcPts val="0"/>
+                        </a:spcBef>
+                        <a:spcAft>
+                          <a:spcPts val="0"/>
+                        </a:spcAft>
+                        <a:buClrTx/>
+                        <a:buSzTx/>
+                        <a:buFontTx/>
+                        <a:buNone/>
+                        <a:tabLst/>
+                        <a:defRPr/>
+                      </a:pPr>
+                      <a:r>
+                        <a:rPr lang="en-US" dirty="0"/>
+                        <a:t>MFI_2</a:t>
+                      </a:r>
+                    </a:p>
+                  </a:txBody>
+                  <a:tcPr/>
+                </a:tc>
+                <a:tc>
+                  <a:txBody>
+                    <a:bodyPr/>
+                    <a:lstStyle/>
+                    <a:p>
+                      <a:pPr algn="ctr"/>
+                      <a:r>
+                        <a:rPr lang="en-US" dirty="0"/>
+                        <a:t>conc_2</a:t>
+                      </a:r>
+                    </a:p>
+                  </a:txBody>
+                  <a:tcPr/>
+                </a:tc>
+                <a:tc>
+                  <a:txBody>
+                    <a:bodyPr/>
+                    <a:lstStyle/>
+                    <a:p>
+                      <a:pPr algn="ctr"/>
+                      <a:r>
+                        <a:rPr lang="en-US" dirty="0"/>
+                        <a:t>1</a:t>
+                      </a:r>
+                    </a:p>
+                  </a:txBody>
+                  <a:tcPr/>
+                </a:tc>
+                <a:extLst>
+                  <a:ext uri="{0D108BD9-81ED-4DB2-BD59-A6C34878D82A}">
+                    <a16:rowId xmlns:a16="http://schemas.microsoft.com/office/drawing/2014/main" val="2573470506"/>
+                  </a:ext>
+                </a:extLst>
+              </a:tr>
+              <a:tr h="370840">
+                <a:tc>
+                  <a:txBody>
+                    <a:bodyPr/>
+                    <a:lstStyle/>
+                    <a:p>
+                      <a:pPr algn="ctr"/>
+                      <a:r>
+                        <a:rPr lang="en-US" dirty="0"/>
+                        <a:t>3</a:t>
+                      </a:r>
+                    </a:p>
+                  </a:txBody>
+                  <a:tcPr/>
+                </a:tc>
+                <a:tc>
+                  <a:txBody>
+                    <a:bodyPr/>
+                    <a:lstStyle/>
+                    <a:p>
+                      <a:pPr marL="0" marR="0" lvl="0" indent="0" algn="ctr" defTabSz="914400" rtl="0" eaLnBrk="1" fontAlgn="auto" latinLnBrk="0" hangingPunct="1">
+                        <a:lnSpc>
+                          <a:spcPct val="100000"/>
+                        </a:lnSpc>
+                        <a:spcBef>
+                          <a:spcPts val="0"/>
+                        </a:spcBef>
+                        <a:spcAft>
+                          <a:spcPts val="0"/>
+                        </a:spcAft>
+                        <a:buClrTx/>
+                        <a:buSzTx/>
+                        <a:buFontTx/>
+                        <a:buNone/>
+                        <a:tabLst/>
+                        <a:defRPr/>
+                      </a:pPr>
+                      <a:r>
+                        <a:rPr lang="en-US" dirty="0"/>
+                        <a:t>MFI_3</a:t>
+                      </a:r>
+                    </a:p>
+                  </a:txBody>
+                  <a:tcPr/>
+                </a:tc>
+                <a:tc>
+                  <a:txBody>
+                    <a:bodyPr/>
+                    <a:lstStyle/>
+                    <a:p>
+                      <a:pPr algn="ctr"/>
+                      <a:r>
+                        <a:rPr lang="en-US" dirty="0"/>
+                        <a:t>conc_3</a:t>
+                      </a:r>
+                    </a:p>
+                  </a:txBody>
+                  <a:tcPr/>
+                </a:tc>
+                <a:tc>
+                  <a:txBody>
+                    <a:bodyPr/>
+                    <a:lstStyle/>
+                    <a:p>
+                      <a:pPr algn="ctr"/>
+                      <a:r>
+                        <a:rPr lang="en-US" dirty="0"/>
+                        <a:t>0</a:t>
+                      </a:r>
+                    </a:p>
+                  </a:txBody>
+                  <a:tcPr/>
+                </a:tc>
+                <a:extLst>
+                  <a:ext uri="{0D108BD9-81ED-4DB2-BD59-A6C34878D82A}">
+                    <a16:rowId xmlns:a16="http://schemas.microsoft.com/office/drawing/2014/main" val="3286344809"/>
+                  </a:ext>
+                </a:extLst>
+              </a:tr>
+              <a:tr h="370840">
+                <a:tc>
+                  <a:txBody>
+                    <a:bodyPr/>
+                    <a:lstStyle/>
+                    <a:p>
+                      <a:pPr algn="ctr"/>
+                      <a:r>
+                        <a:rPr lang="en-US" dirty="0"/>
+                        <a:t>4</a:t>
+                      </a:r>
+                    </a:p>
+                  </a:txBody>
+                  <a:tcPr/>
+                </a:tc>
+                <a:tc>
+                  <a:txBody>
+                    <a:bodyPr/>
+                    <a:lstStyle/>
+                    <a:p>
+                      <a:pPr algn="ctr"/>
+                      <a:r>
+                        <a:rPr lang="en-US" dirty="0"/>
+                        <a:t>MFI_4</a:t>
+                      </a:r>
+                    </a:p>
+                  </a:txBody>
+                  <a:tcPr/>
+                </a:tc>
+                <a:tc>
+                  <a:txBody>
+                    <a:bodyPr/>
+                    <a:lstStyle/>
+                    <a:p>
+                      <a:pPr algn="ctr"/>
+                      <a:r>
+                        <a:rPr lang="en-US" dirty="0"/>
+                        <a:t>conc_4</a:t>
+                      </a:r>
+                    </a:p>
+                  </a:txBody>
+                  <a:tcPr/>
+                </a:tc>
+                <a:tc>
+                  <a:txBody>
+                    <a:bodyPr/>
+                    <a:lstStyle/>
+                    <a:p>
+                      <a:pPr algn="ctr"/>
+                      <a:r>
+                        <a:rPr lang="en-US" dirty="0"/>
+                        <a:t>1</a:t>
+                      </a:r>
+                    </a:p>
+                  </a:txBody>
+                  <a:tcPr/>
+                </a:tc>
+                <a:extLst>
+                  <a:ext uri="{0D108BD9-81ED-4DB2-BD59-A6C34878D82A}">
+                    <a16:rowId xmlns:a16="http://schemas.microsoft.com/office/drawing/2014/main" val="4207315006"/>
+                  </a:ext>
+                </a:extLst>
+              </a:tr>
+              <a:tr h="370840">
+                <a:tc>
+                  <a:txBody>
+                    <a:bodyPr/>
+                    <a:lstStyle/>
+                    <a:p>
+                      <a:pPr algn="ctr"/>
+                      <a:r>
+                        <a:rPr lang="en-US" dirty="0"/>
+                        <a:t>5</a:t>
+                      </a:r>
+                    </a:p>
+                  </a:txBody>
+                  <a:tcPr/>
+                </a:tc>
+                <a:tc>
+                  <a:txBody>
+                    <a:bodyPr/>
+                    <a:lstStyle/>
+                    <a:p>
+                      <a:pPr algn="ctr"/>
+                      <a:r>
+                        <a:rPr lang="en-US" dirty="0"/>
+                        <a:t>MFI_5</a:t>
+                      </a:r>
+                    </a:p>
+                  </a:txBody>
+                  <a:tcPr/>
+                </a:tc>
+                <a:tc>
+                  <a:txBody>
+                    <a:bodyPr/>
+                    <a:lstStyle/>
+                    <a:p>
+                      <a:pPr algn="ctr"/>
+                      <a:r>
+                        <a:rPr lang="en-US" dirty="0"/>
+                        <a:t>conc_5</a:t>
+                      </a:r>
+                    </a:p>
+                  </a:txBody>
+                  <a:tcPr/>
+                </a:tc>
+                <a:tc>
+                  <a:txBody>
+                    <a:bodyPr/>
+                    <a:lstStyle/>
+                    <a:p>
+                      <a:pPr algn="ctr"/>
+                      <a:r>
+                        <a:rPr lang="en-US" dirty="0"/>
+                        <a:t>1</a:t>
+                      </a:r>
+                    </a:p>
+                  </a:txBody>
+                  <a:tcPr/>
+                </a:tc>
+                <a:extLst>
+                  <a:ext uri="{0D108BD9-81ED-4DB2-BD59-A6C34878D82A}">
+                    <a16:rowId xmlns:a16="http://schemas.microsoft.com/office/drawing/2014/main" val="2005743362"/>
+                  </a:ext>
+                </a:extLst>
+              </a:tr>
+              <a:tr h="370840">
+                <a:tc>
+                  <a:txBody>
+                    <a:bodyPr/>
+                    <a:lstStyle/>
+                    <a:p>
+                      <a:pPr algn="ctr"/>
+                      <a:r>
+                        <a:rPr lang="en-US" dirty="0"/>
+                        <a:t>6</a:t>
+                      </a:r>
+                    </a:p>
+                  </a:txBody>
+                  <a:tcPr/>
+                </a:tc>
+                <a:tc>
+                  <a:txBody>
+                    <a:bodyPr/>
+                    <a:lstStyle/>
+                    <a:p>
+                      <a:pPr algn="ctr"/>
+                      <a:r>
+                        <a:rPr lang="en-US" dirty="0"/>
+                        <a:t>MFI_6</a:t>
+                      </a:r>
+                    </a:p>
+                  </a:txBody>
+                  <a:tcPr/>
+                </a:tc>
+                <a:tc>
+                  <a:txBody>
+                    <a:bodyPr/>
+                    <a:lstStyle/>
+                    <a:p>
+                      <a:pPr algn="ctr"/>
+                      <a:r>
+                        <a:rPr lang="en-US" dirty="0"/>
+                        <a:t>conc_6</a:t>
+                      </a:r>
+                    </a:p>
+                  </a:txBody>
+                  <a:tcPr/>
+                </a:tc>
+                <a:tc>
+                  <a:txBody>
+                    <a:bodyPr/>
+                    <a:lstStyle/>
+                    <a:p>
+                      <a:pPr algn="ctr"/>
+                      <a:r>
+                        <a:rPr lang="en-US" dirty="0"/>
+                        <a:t>0</a:t>
+                      </a:r>
+                    </a:p>
+                  </a:txBody>
+                  <a:tcPr/>
+                </a:tc>
+                <a:extLst>
+                  <a:ext uri="{0D108BD9-81ED-4DB2-BD59-A6C34878D82A}">
+                    <a16:rowId xmlns:a16="http://schemas.microsoft.com/office/drawing/2014/main" val="583002692"/>
+                  </a:ext>
+                </a:extLst>
+              </a:tr>
+              <a:tr h="370840">
+                <a:tc>
+                  <a:txBody>
+                    <a:bodyPr/>
+                    <a:lstStyle/>
+                    <a:p>
+                      <a:pPr algn="ctr"/>
+                      <a:r>
+                        <a:rPr lang="en-US" dirty="0"/>
+                        <a:t>7</a:t>
+                      </a:r>
+                    </a:p>
+                  </a:txBody>
+                  <a:tcPr/>
+                </a:tc>
+                <a:tc>
+                  <a:txBody>
+                    <a:bodyPr/>
+                    <a:lstStyle/>
+                    <a:p>
+                      <a:pPr algn="ctr"/>
+                      <a:r>
+                        <a:rPr lang="en-US" dirty="0"/>
+                        <a:t>MFI_7</a:t>
+                      </a:r>
+                    </a:p>
+                  </a:txBody>
+                  <a:tcPr/>
+                </a:tc>
+                <a:tc>
+                  <a:txBody>
+                    <a:bodyPr/>
+                    <a:lstStyle/>
+                    <a:p>
+                      <a:pPr algn="ctr"/>
+                      <a:r>
+                        <a:rPr lang="en-US" dirty="0"/>
+                        <a:t>conc_7</a:t>
+                      </a:r>
+                    </a:p>
+                  </a:txBody>
+                  <a:tcPr/>
+                </a:tc>
+                <a:tc>
+                  <a:txBody>
+                    <a:bodyPr/>
+                    <a:lstStyle/>
+                    <a:p>
+                      <a:pPr algn="ctr"/>
+                      <a:r>
+                        <a:rPr lang="en-US" dirty="0"/>
+                        <a:t>0</a:t>
+                      </a:r>
+                    </a:p>
+                  </a:txBody>
+                  <a:tcPr/>
+                </a:tc>
+                <a:extLst>
+                  <a:ext uri="{0D108BD9-81ED-4DB2-BD59-A6C34878D82A}">
+                    <a16:rowId xmlns:a16="http://schemas.microsoft.com/office/drawing/2014/main" val="3196661609"/>
+                  </a:ext>
+                </a:extLst>
+              </a:tr>
+            </a:tbl>
+          </a:graphicData>
+        </a:graphic>
+      </p:graphicFrame>
     </p:spTree>
     <p:extLst>
       <p:ext uri="{BB962C8B-B14F-4D97-AF65-F5344CB8AC3E}">
-        <p14:creationId xmlns:p14="http://schemas.microsoft.com/office/powerpoint/2010/main" val="2118512461"/>
+        <p14:creationId xmlns:p14="http://schemas.microsoft.com/office/powerpoint/2010/main" val="425828222"/>
       </p:ext>
     </p:extLst>
   </p:cSld>
@@ -7207,7 +7687,7 @@
             </a:pPr>
             <a:r>
               <a:rPr lang="en-US" dirty="0"/>
-              <a:t>For WRUV with a cutoff of 9.36 IU/ml, we have:</a:t>
+              <a:t>For WRUV, with a cutoff of 9.36 IU/ml, we have:</a:t>
             </a:r>
           </a:p>
           <a:p>
@@ -7700,15 +8180,7 @@
           <a:p>
             <a:r>
               <a:rPr lang="en-US" dirty="0"/>
-              <a:t>Estimating a 95% confidence interval means that in 95 out of 100 calculations of seroprevalence from the same source population using 1000 individuals</a:t>
-            </a:r>
-            <a:r>
-              <a:rPr lang="en-US"/>
-              <a:t>, the </a:t>
-            </a:r>
-            <a:r>
-              <a:rPr lang="en-US" dirty="0"/>
-              <a:t>range will include the true population-level seroprevalence.</a:t>
+              <a:t>Estimating a 95% confidence interval means that in 95 out of 100 calculations of seroprevalence from the same source population using 1000 individuals, the range will include the true population-level seroprevalence.</a:t>
             </a:r>
           </a:p>
           <a:p>
@@ -7729,7 +8201,7 @@
             </a:pPr>
             <a:r>
               <a:rPr lang="en-US" dirty="0"/>
-              <a:t>With 767 positive individuals and 1000 individuals total, the 95% CI is: </a:t>
+              <a:t>With 767 seropositive individuals and 1000 individuals total, the 95% CI is: </a:t>
             </a:r>
             <a:r>
               <a:rPr lang="en-US" b="1" dirty="0"/>
@@ -7903,7 +8375,15 @@
             </a:pPr>
             <a:r>
               <a:rPr lang="en-US" dirty="0"/>
-              <a:t>With 767 positives and 1000 total samples:</a:t>
+              <a:t>With 767 </a:t>
+            </a:r>
+            <a:r>
+              <a:rPr lang="en-US" dirty="0" err="1"/>
+              <a:t>seropositives</a:t>
+            </a:r>
+            <a:r>
+              <a:rPr lang="en-US" dirty="0"/>
+              <a:t> and 1000 total samples:</a:t>
             </a:r>
           </a:p>
           <a:p>
@@ -8266,7 +8746,7 @@
                 <a:ea typeface="Aptos" panose="020B0004020202020204" pitchFamily="34" charset="0"/>
                 <a:cs typeface="Times New Roman" panose="02020603050405020304" pitchFamily="18" charset="0"/>
               </a:rPr>
-              <a:t>If we know there’s no/little vaccination, we may assume seroprevalence is due to natural infection, or vice versa. </a:t>
+              <a:t>If we know there’s no/little vaccination, we may assume seroprevalence is wholly due to natural infection, or vice versa. </a:t>
             </a:r>
           </a:p>
           <a:p>
@@ -8935,7 +9415,7 @@
                 <a:ea typeface="Aptos" panose="020B0004020202020204" pitchFamily="34" charset="0"/>
                 <a:cs typeface="Times New Roman" panose="02020603050405020304" pitchFamily="18" charset="0"/>
               </a:rPr>
-              <a:t>If we don’t have a correlate of protection, we can use control samples to determine cutoffs for seropositivity.</a:t>
+              <a:t>If we don’t have a correlate of protection, we can use well-characterized control samples to determine cutoffs for seropositivity.</a:t>
             </a:r>
           </a:p>
           <a:p>
@@ -8953,7 +9433,24 @@
                 <a:ea typeface="Aptos" panose="020B0004020202020204" pitchFamily="34" charset="0"/>
                 <a:cs typeface="Times New Roman" panose="02020603050405020304" pitchFamily="18" charset="0"/>
               </a:rPr>
-              <a:t>Ideally, we could have positive and negative controls. </a:t>
+              <a:t>Ideally, we </a:t>
+            </a:r>
+            <a:r>
+              <a:rPr lang="en-US" sz="2800" kern="100" dirty="0">
+                <a:latin typeface="Aptos" panose="020B0004020202020204" pitchFamily="34" charset="0"/>
+                <a:ea typeface="Aptos" panose="020B0004020202020204" pitchFamily="34" charset="0"/>
+                <a:cs typeface="Times New Roman" panose="02020603050405020304" pitchFamily="18" charset="0"/>
+              </a:rPr>
+              <a:t>w</a:t>
+            </a:r>
+            <a:r>
+              <a:rPr lang="en-US" sz="2800" kern="100" dirty="0">
+                <a:effectLst/>
+                <a:latin typeface="Aptos" panose="020B0004020202020204" pitchFamily="34" charset="0"/>
+                <a:ea typeface="Aptos" panose="020B0004020202020204" pitchFamily="34" charset="0"/>
+                <a:cs typeface="Times New Roman" panose="02020603050405020304" pitchFamily="18" charset="0"/>
+              </a:rPr>
+              <a:t>ould have positive and negative controls. </a:t>
             </a:r>
           </a:p>
           <a:p>
@@ -9096,7 +9593,7 @@
           <a:p>
             <a:r>
               <a:rPr lang="en-US" dirty="0"/>
-              <a:t>We also have controls with non-target antigens (SNAP in our dataset, other common ones are GST and Vero cell).</a:t>
+              <a:t>We also have controls with non-target antigens (SNAP in our dataset; other common ones are GST and Vero cell).</a:t>
             </a:r>
           </a:p>
           <a:p>
@@ -9241,7 +9738,24 @@
                 <a:ea typeface="Aptos" panose="020B0004020202020204" pitchFamily="34" charset="0"/>
                 <a:cs typeface="Times New Roman" panose="02020603050405020304" pitchFamily="18" charset="0"/>
               </a:rPr>
-              <a:t>Often, positive controls are based on antibody responses from people who have symptomatic disease. </a:t>
+              <a:t>Often, positive controls are based on antibody responses from people who </a:t>
+            </a:r>
+            <a:r>
+              <a:rPr lang="en-US" kern="100" dirty="0">
+                <a:latin typeface="Aptos" panose="020B0004020202020204" pitchFamily="34" charset="0"/>
+                <a:ea typeface="Aptos" panose="020B0004020202020204" pitchFamily="34" charset="0"/>
+                <a:cs typeface="Times New Roman" panose="02020603050405020304" pitchFamily="18" charset="0"/>
+              </a:rPr>
+              <a:t>are known to have had </a:t>
+            </a:r>
+            <a:r>
+              <a:rPr lang="en-US" kern="100" dirty="0">
+                <a:effectLst/>
+                <a:latin typeface="Aptos" panose="020B0004020202020204" pitchFamily="34" charset="0"/>
+                <a:ea typeface="Aptos" panose="020B0004020202020204" pitchFamily="34" charset="0"/>
+                <a:cs typeface="Times New Roman" panose="02020603050405020304" pitchFamily="18" charset="0"/>
+              </a:rPr>
+              <a:t>symptomatic disease. </a:t>
             </a:r>
           </a:p>
           <a:p>
@@ -9366,7 +9880,15 @@
                 <a:ea typeface="Aptos" panose="020B0004020202020204" pitchFamily="34" charset="0"/>
                 <a:cs typeface="Times New Roman" panose="02020603050405020304" pitchFamily="18" charset="0"/>
               </a:rPr>
-              <a:t>Often, positive controls are based on antibody responses from people who have symptomatic disease. </a:t>
+              <a:t>Often, positive controls are based on antibody responses from people who </a:t>
+            </a:r>
+            <a:r>
+              <a:rPr lang="en-US" kern="100" dirty="0">
+                <a:latin typeface="Aptos" panose="020B0004020202020204" pitchFamily="34" charset="0"/>
+                <a:ea typeface="Aptos" panose="020B0004020202020204" pitchFamily="34" charset="0"/>
+                <a:cs typeface="Times New Roman" panose="02020603050405020304" pitchFamily="18" charset="0"/>
+              </a:rPr>
+              <a:t>are known to have had symptomatic disease. </a:t>
             </a:r>
           </a:p>
           <a:p>
@@ -10321,7 +10843,7 @@
         </p:nvSpPr>
         <p:spPr>
           <a:xfrm>
-            <a:off x="838200" y="5425601"/>
+            <a:off x="838200" y="5439048"/>
             <a:ext cx="10515600" cy="925341"/>
           </a:xfrm>
         </p:spPr>
@@ -10464,7 +10986,7 @@
           <a:p>
             <a:r>
               <a:rPr lang="en-US" sz="3000" dirty="0"/>
-              <a:t>It’s important to understand the controls you use, and how these will affect your inference.</a:t>
+              <a:t>It’s important to understand the controls you use, and think about how these may affect your inference.</a:t>
             </a:r>
           </a:p>
         </p:txBody>
@@ -10551,7 +11073,7 @@
         </p:nvSpPr>
         <p:spPr>
           <a:xfrm>
-            <a:off x="838200" y="5545410"/>
+            <a:off x="838200" y="5464728"/>
             <a:ext cx="9591675" cy="925341"/>
           </a:xfrm>
         </p:spPr>
@@ -10564,7 +11086,7 @@
             </a:pPr>
             <a:r>
               <a:rPr lang="en-US" dirty="0"/>
-              <a:t>How would you compare the different distributions of data (log transformation)? </a:t>
+              <a:t>How would you compare the different distributions of data (log transformed)? </a:t>
             </a:r>
           </a:p>
         </p:txBody>
@@ -11106,15 +11628,7 @@
           <a:p>
             <a:r>
               <a:rPr lang="en-US" dirty="0"/>
-              <a:t>Histograms of rubella (</a:t>
-            </a:r>
-            <a:r>
-              <a:rPr lang="en-US" dirty="0" err="1"/>
-              <a:t>wruv</a:t>
-            </a:r>
-            <a:r>
-              <a:rPr lang="en-US" dirty="0"/>
-              <a:t>) antibody responses</a:t>
+              <a:t>Histograms of rubella antibody responses</a:t>
             </a:r>
           </a:p>
         </p:txBody>
@@ -11152,13 +11666,13 @@
             </a:pPr>
             <a:r>
               <a:rPr lang="en-US" sz="2600" b="1" dirty="0"/>
-              <a:t>How to get information from histograms like these?</a:t>
+              <a:t>How do we get information from histograms like these?</a:t>
             </a:r>
           </a:p>
           <a:p>
             <a:r>
               <a:rPr lang="en-US" sz="2600" dirty="0"/>
-              <a:t>How to compare the results of different histograms?</a:t>
+              <a:t>How do we compare the results of different histograms?</a:t>
             </a:r>
           </a:p>
           <a:p>
@@ -11607,15 +12121,7 @@
           <a:p>
             <a:r>
               <a:rPr lang="en-US" dirty="0"/>
-              <a:t>Histograms of rubella (</a:t>
-            </a:r>
-            <a:r>
-              <a:rPr lang="en-US" dirty="0" err="1"/>
-              <a:t>wruv</a:t>
-            </a:r>
-            <a:r>
-              <a:rPr lang="en-US" dirty="0"/>
-              <a:t>) antibody responses</a:t>
+              <a:t>Histograms of rubella antibody responses</a:t>
             </a:r>
           </a:p>
         </p:txBody>

--- a/Part 4/Lecture 4.pptx
+++ b/Part 4/Lecture 4.pptx
@@ -5,7 +5,7 @@
     <p:sldMasterId id="2147483672" r:id="rId1"/>
   </p:sldMasterIdLst>
   <p:notesMasterIdLst>
-    <p:notesMasterId r:id="rId32"/>
+    <p:notesMasterId r:id="rId23"/>
   </p:notesMasterIdLst>
   <p:sldIdLst>
     <p:sldId id="340" r:id="rId2"/>
@@ -28,16 +28,7 @@
     <p:sldId id="349" r:id="rId19"/>
     <p:sldId id="265" r:id="rId20"/>
     <p:sldId id="305" r:id="rId21"/>
-    <p:sldId id="350" r:id="rId22"/>
-    <p:sldId id="308" r:id="rId23"/>
-    <p:sldId id="351" r:id="rId24"/>
-    <p:sldId id="313" r:id="rId25"/>
-    <p:sldId id="352" r:id="rId26"/>
-    <p:sldId id="353" r:id="rId27"/>
-    <p:sldId id="314" r:id="rId28"/>
-    <p:sldId id="354" r:id="rId29"/>
-    <p:sldId id="355" r:id="rId30"/>
-    <p:sldId id="307" r:id="rId31"/>
+    <p:sldId id="307" r:id="rId22"/>
   </p:sldIdLst>
   <p:sldSz cx="12192000" cy="6858000"/>
   <p:notesSz cx="6858000" cy="9144000"/>
@@ -1240,7 +1231,7 @@
           <a:p>
             <a:fld id="{D50EBD97-50EF-EF40-B6C8-8EEC5922A707}" type="datetimeFigureOut">
               <a:rPr lang="en-US" smtClean="0"/>
-              <a:t>7/30/25</a:t>
+              <a:t>7/31/25</a:t>
             </a:fld>
             <a:endParaRPr lang="en-US"/>
           </a:p>
@@ -1946,7 +1937,7 @@
                 <a:ea typeface="+mn-ea"/>
                 <a:cs typeface="+mn-cs"/>
               </a:rPr>
-              <a:t>), using the quantitative ELISA as a classifier and resulted in an AUC of 1, a sensitivity of 99%, and a specificity of 100%, with a cutoff of 9.36 IU/ml (</a:t>
+              <a:t>), using the quantitative ELISA as a classifier and resulted in an AUC of 1, a sensitivity of 99%, and a specificity of 100%, with a cutoff of 9.36 IU/mL (</a:t>
             </a:r>
             <a:r>
               <a:rPr lang="en-US" sz="1200" kern="1200" dirty="0">
@@ -2309,366 +2300,6 @@
     <p:extLst>
       <p:ext uri="{BB962C8B-B14F-4D97-AF65-F5344CB8AC3E}">
         <p14:creationId xmlns:p14="http://schemas.microsoft.com/office/powerpoint/2010/main" val="1474936325"/>
-      </p:ext>
-    </p:extLst>
-  </p:cSld>
-  <p:clrMapOvr>
-    <a:masterClrMapping/>
-  </p:clrMapOvr>
-</p:notes>
-</file>
-
-<file path=ppt/notesSlides/notesSlide16.xml><?xml version="1.0" encoding="utf-8"?>
-<p:notes xmlns:a="http://schemas.openxmlformats.org/drawingml/2006/main" xmlns:r="http://schemas.openxmlformats.org/officeDocument/2006/relationships" xmlns:p="http://schemas.openxmlformats.org/presentationml/2006/main">
-  <p:cSld>
-    <p:spTree>
-      <p:nvGrpSpPr>
-        <p:cNvPr id="1" name=""/>
-        <p:cNvGrpSpPr/>
-        <p:nvPr/>
-      </p:nvGrpSpPr>
-      <p:grpSpPr>
-        <a:xfrm>
-          <a:off x="0" y="0"/>
-          <a:ext cx="0" cy="0"/>
-          <a:chOff x="0" y="0"/>
-          <a:chExt cx="0" cy="0"/>
-        </a:xfrm>
-      </p:grpSpPr>
-      <p:sp>
-        <p:nvSpPr>
-          <p:cNvPr id="2" name="Slide Image Placeholder 1"/>
-          <p:cNvSpPr>
-            <a:spLocks noGrp="1" noRot="1" noChangeAspect="1"/>
-          </p:cNvSpPr>
-          <p:nvPr>
-            <p:ph type="sldImg"/>
-          </p:nvPr>
-        </p:nvSpPr>
-        <p:spPr/>
-      </p:sp>
-      <p:sp>
-        <p:nvSpPr>
-          <p:cNvPr id="3" name="Notes Placeholder 2"/>
-          <p:cNvSpPr>
-            <a:spLocks noGrp="1"/>
-          </p:cNvSpPr>
-          <p:nvPr>
-            <p:ph type="body" idx="1"/>
-          </p:nvPr>
-        </p:nvSpPr>
-        <p:spPr/>
-        <p:txBody>
-          <a:bodyPr/>
-          <a:lstStyle/>
-          <a:p>
-            <a:endParaRPr lang="en-US" dirty="0"/>
-          </a:p>
-        </p:txBody>
-      </p:sp>
-      <p:sp>
-        <p:nvSpPr>
-          <p:cNvPr id="4" name="Slide Number Placeholder 3"/>
-          <p:cNvSpPr>
-            <a:spLocks noGrp="1"/>
-          </p:cNvSpPr>
-          <p:nvPr>
-            <p:ph type="sldNum" sz="quarter" idx="5"/>
-          </p:nvPr>
-        </p:nvSpPr>
-        <p:spPr/>
-        <p:txBody>
-          <a:bodyPr/>
-          <a:lstStyle/>
-          <a:p>
-            <a:fld id="{996BBC3D-3E8B-F74A-BA84-000B911EA6F4}" type="slidenum">
-              <a:rPr lang="en-US" smtClean="0"/>
-              <a:t>21</a:t>
-            </a:fld>
-            <a:endParaRPr lang="en-US"/>
-          </a:p>
-        </p:txBody>
-      </p:sp>
-    </p:spTree>
-    <p:extLst>
-      <p:ext uri="{BB962C8B-B14F-4D97-AF65-F5344CB8AC3E}">
-        <p14:creationId xmlns:p14="http://schemas.microsoft.com/office/powerpoint/2010/main" val="3587419348"/>
-      </p:ext>
-    </p:extLst>
-  </p:cSld>
-  <p:clrMapOvr>
-    <a:masterClrMapping/>
-  </p:clrMapOvr>
-</p:notes>
-</file>
-
-<file path=ppt/notesSlides/notesSlide17.xml><?xml version="1.0" encoding="utf-8"?>
-<p:notes xmlns:a="http://schemas.openxmlformats.org/drawingml/2006/main" xmlns:r="http://schemas.openxmlformats.org/officeDocument/2006/relationships" xmlns:p="http://schemas.openxmlformats.org/presentationml/2006/main">
-  <p:cSld>
-    <p:spTree>
-      <p:nvGrpSpPr>
-        <p:cNvPr id="1" name=""/>
-        <p:cNvGrpSpPr/>
-        <p:nvPr/>
-      </p:nvGrpSpPr>
-      <p:grpSpPr>
-        <a:xfrm>
-          <a:off x="0" y="0"/>
-          <a:ext cx="0" cy="0"/>
-          <a:chOff x="0" y="0"/>
-          <a:chExt cx="0" cy="0"/>
-        </a:xfrm>
-      </p:grpSpPr>
-      <p:sp>
-        <p:nvSpPr>
-          <p:cNvPr id="2" name="Slide Image Placeholder 1"/>
-          <p:cNvSpPr>
-            <a:spLocks noGrp="1" noRot="1" noChangeAspect="1"/>
-          </p:cNvSpPr>
-          <p:nvPr>
-            <p:ph type="sldImg"/>
-          </p:nvPr>
-        </p:nvSpPr>
-        <p:spPr/>
-      </p:sp>
-      <p:sp>
-        <p:nvSpPr>
-          <p:cNvPr id="3" name="Notes Placeholder 2"/>
-          <p:cNvSpPr>
-            <a:spLocks noGrp="1"/>
-          </p:cNvSpPr>
-          <p:nvPr>
-            <p:ph type="body" idx="1"/>
-          </p:nvPr>
-        </p:nvSpPr>
-        <p:spPr/>
-        <p:txBody>
-          <a:bodyPr/>
-          <a:lstStyle/>
-          <a:p>
-            <a:endParaRPr lang="en-US" dirty="0"/>
-          </a:p>
-        </p:txBody>
-      </p:sp>
-      <p:sp>
-        <p:nvSpPr>
-          <p:cNvPr id="4" name="Slide Number Placeholder 3"/>
-          <p:cNvSpPr>
-            <a:spLocks noGrp="1"/>
-          </p:cNvSpPr>
-          <p:nvPr>
-            <p:ph type="sldNum" sz="quarter" idx="5"/>
-          </p:nvPr>
-        </p:nvSpPr>
-        <p:spPr/>
-        <p:txBody>
-          <a:bodyPr/>
-          <a:lstStyle/>
-          <a:p>
-            <a:fld id="{A7294D4A-3C6D-3543-B453-E3C017326446}" type="slidenum">
-              <a:rPr lang="en-US" smtClean="0"/>
-              <a:t>23</a:t>
-            </a:fld>
-            <a:endParaRPr lang="en-US"/>
-          </a:p>
-        </p:txBody>
-      </p:sp>
-    </p:spTree>
-    <p:extLst>
-      <p:ext uri="{BB962C8B-B14F-4D97-AF65-F5344CB8AC3E}">
-        <p14:creationId xmlns:p14="http://schemas.microsoft.com/office/powerpoint/2010/main" val="3009550890"/>
-      </p:ext>
-    </p:extLst>
-  </p:cSld>
-  <p:clrMapOvr>
-    <a:masterClrMapping/>
-  </p:clrMapOvr>
-</p:notes>
-</file>
-
-<file path=ppt/notesSlides/notesSlide18.xml><?xml version="1.0" encoding="utf-8"?>
-<p:notes xmlns:a="http://schemas.openxmlformats.org/drawingml/2006/main" xmlns:r="http://schemas.openxmlformats.org/officeDocument/2006/relationships" xmlns:p="http://schemas.openxmlformats.org/presentationml/2006/main">
-  <p:cSld>
-    <p:spTree>
-      <p:nvGrpSpPr>
-        <p:cNvPr id="1" name="">
-          <a:extLst>
-            <a:ext uri="{FF2B5EF4-FFF2-40B4-BE49-F238E27FC236}">
-              <a16:creationId xmlns:a16="http://schemas.microsoft.com/office/drawing/2014/main" id="{3DF45B6D-A335-8631-A664-BD7EC21AA887}"/>
-            </a:ext>
-          </a:extLst>
-        </p:cNvPr>
-        <p:cNvGrpSpPr/>
-        <p:nvPr/>
-      </p:nvGrpSpPr>
-      <p:grpSpPr>
-        <a:xfrm>
-          <a:off x="0" y="0"/>
-          <a:ext cx="0" cy="0"/>
-          <a:chOff x="0" y="0"/>
-          <a:chExt cx="0" cy="0"/>
-        </a:xfrm>
-      </p:grpSpPr>
-      <p:sp>
-        <p:nvSpPr>
-          <p:cNvPr id="2" name="Slide Image Placeholder 1">
-            <a:extLst>
-              <a:ext uri="{FF2B5EF4-FFF2-40B4-BE49-F238E27FC236}">
-                <a16:creationId xmlns:a16="http://schemas.microsoft.com/office/drawing/2014/main" id="{0E0ABBB4-802B-3DBF-CC70-44C41EEB62AD}"/>
-              </a:ext>
-            </a:extLst>
-          </p:cNvPr>
-          <p:cNvSpPr>
-            <a:spLocks noGrp="1" noRot="1" noChangeAspect="1"/>
-          </p:cNvSpPr>
-          <p:nvPr>
-            <p:ph type="sldImg"/>
-          </p:nvPr>
-        </p:nvSpPr>
-        <p:spPr/>
-      </p:sp>
-      <p:sp>
-        <p:nvSpPr>
-          <p:cNvPr id="3" name="Notes Placeholder 2">
-            <a:extLst>
-              <a:ext uri="{FF2B5EF4-FFF2-40B4-BE49-F238E27FC236}">
-                <a16:creationId xmlns:a16="http://schemas.microsoft.com/office/drawing/2014/main" id="{58A3C351-5735-7F24-891E-651DD64743AC}"/>
-              </a:ext>
-            </a:extLst>
-          </p:cNvPr>
-          <p:cNvSpPr>
-            <a:spLocks noGrp="1"/>
-          </p:cNvSpPr>
-          <p:nvPr>
-            <p:ph type="body" idx="1"/>
-          </p:nvPr>
-        </p:nvSpPr>
-        <p:spPr/>
-        <p:txBody>
-          <a:bodyPr/>
-          <a:lstStyle/>
-          <a:p>
-            <a:endParaRPr lang="en-US" dirty="0"/>
-          </a:p>
-        </p:txBody>
-      </p:sp>
-      <p:sp>
-        <p:nvSpPr>
-          <p:cNvPr id="4" name="Slide Number Placeholder 3">
-            <a:extLst>
-              <a:ext uri="{FF2B5EF4-FFF2-40B4-BE49-F238E27FC236}">
-                <a16:creationId xmlns:a16="http://schemas.microsoft.com/office/drawing/2014/main" id="{81FDEDB7-CA9F-CB4B-56BE-C6535CD1B40D}"/>
-              </a:ext>
-            </a:extLst>
-          </p:cNvPr>
-          <p:cNvSpPr>
-            <a:spLocks noGrp="1"/>
-          </p:cNvSpPr>
-          <p:nvPr>
-            <p:ph type="sldNum" sz="quarter" idx="5"/>
-          </p:nvPr>
-        </p:nvSpPr>
-        <p:spPr/>
-        <p:txBody>
-          <a:bodyPr/>
-          <a:lstStyle/>
-          <a:p>
-            <a:fld id="{A7294D4A-3C6D-3543-B453-E3C017326446}" type="slidenum">
-              <a:rPr lang="en-US" smtClean="0"/>
-              <a:t>24</a:t>
-            </a:fld>
-            <a:endParaRPr lang="en-US"/>
-          </a:p>
-        </p:txBody>
-      </p:sp>
-    </p:spTree>
-    <p:extLst>
-      <p:ext uri="{BB962C8B-B14F-4D97-AF65-F5344CB8AC3E}">
-        <p14:creationId xmlns:p14="http://schemas.microsoft.com/office/powerpoint/2010/main" val="3981693936"/>
-      </p:ext>
-    </p:extLst>
-  </p:cSld>
-  <p:clrMapOvr>
-    <a:masterClrMapping/>
-  </p:clrMapOvr>
-</p:notes>
-</file>
-
-<file path=ppt/notesSlides/notesSlide19.xml><?xml version="1.0" encoding="utf-8"?>
-<p:notes xmlns:a="http://schemas.openxmlformats.org/drawingml/2006/main" xmlns:r="http://schemas.openxmlformats.org/officeDocument/2006/relationships" xmlns:p="http://schemas.openxmlformats.org/presentationml/2006/main">
-  <p:cSld>
-    <p:spTree>
-      <p:nvGrpSpPr>
-        <p:cNvPr id="1" name=""/>
-        <p:cNvGrpSpPr/>
-        <p:nvPr/>
-      </p:nvGrpSpPr>
-      <p:grpSpPr>
-        <a:xfrm>
-          <a:off x="0" y="0"/>
-          <a:ext cx="0" cy="0"/>
-          <a:chOff x="0" y="0"/>
-          <a:chExt cx="0" cy="0"/>
-        </a:xfrm>
-      </p:grpSpPr>
-      <p:sp>
-        <p:nvSpPr>
-          <p:cNvPr id="2" name="Slide Image Placeholder 1"/>
-          <p:cNvSpPr>
-            <a:spLocks noGrp="1" noRot="1" noChangeAspect="1"/>
-          </p:cNvSpPr>
-          <p:nvPr>
-            <p:ph type="sldImg"/>
-          </p:nvPr>
-        </p:nvSpPr>
-        <p:spPr/>
-      </p:sp>
-      <p:sp>
-        <p:nvSpPr>
-          <p:cNvPr id="3" name="Notes Placeholder 2"/>
-          <p:cNvSpPr>
-            <a:spLocks noGrp="1"/>
-          </p:cNvSpPr>
-          <p:nvPr>
-            <p:ph type="body" idx="1"/>
-          </p:nvPr>
-        </p:nvSpPr>
-        <p:spPr/>
-        <p:txBody>
-          <a:bodyPr/>
-          <a:lstStyle/>
-          <a:p>
-            <a:endParaRPr lang="en-US" dirty="0"/>
-          </a:p>
-        </p:txBody>
-      </p:sp>
-      <p:sp>
-        <p:nvSpPr>
-          <p:cNvPr id="4" name="Slide Number Placeholder 3"/>
-          <p:cNvSpPr>
-            <a:spLocks noGrp="1"/>
-          </p:cNvSpPr>
-          <p:nvPr>
-            <p:ph type="sldNum" sz="quarter" idx="5"/>
-          </p:nvPr>
-        </p:nvSpPr>
-        <p:spPr/>
-        <p:txBody>
-          <a:bodyPr/>
-          <a:lstStyle/>
-          <a:p>
-            <a:fld id="{A7294D4A-3C6D-3543-B453-E3C017326446}" type="slidenum">
-              <a:rPr lang="en-US" smtClean="0"/>
-              <a:t>28</a:t>
-            </a:fld>
-            <a:endParaRPr lang="en-US"/>
-          </a:p>
-        </p:txBody>
-      </p:sp>
-    </p:spTree>
-    <p:extLst>
-      <p:ext uri="{BB962C8B-B14F-4D97-AF65-F5344CB8AC3E}">
-        <p14:creationId xmlns:p14="http://schemas.microsoft.com/office/powerpoint/2010/main" val="2672205143"/>
       </p:ext>
     </p:extLst>
   </p:cSld>
@@ -5243,7 +4874,7 @@
           <a:p>
             <a:r>
               <a:rPr lang="en-US" sz="2400" dirty="0"/>
-              <a:t>Rubella correlate of protection is 9.36 IU/ml (international units per milliliter)</a:t>
+              <a:t>Rubella correlate of protection is 9.36 IU/mL (international units per milliliter)</a:t>
             </a:r>
           </a:p>
           <a:p>
@@ -5255,11 +4886,11 @@
           <a:p>
             <a:r>
               <a:rPr lang="en-US" sz="2400" b="1" dirty="0"/>
-              <a:t>We can convert between MFI and IU/ml using a standard curve: </a:t>
+              <a:t>We can convert between MFI and IU/mL using a standard curve: </a:t>
             </a:r>
             <a:r>
               <a:rPr lang="en-US" sz="2400" dirty="0"/>
-              <a:t>we convert all MFI values to IU/ml, and apply the 9.36 IU/ml cutoff</a:t>
+              <a:t>we convert all MFI values to IU/mL, and apply the 9.36 IU/mL cutoff</a:t>
             </a:r>
           </a:p>
         </p:txBody>
@@ -5817,7 +5448,7 @@
           <a:p>
             <a:r>
               <a:rPr lang="en-US" dirty="0"/>
-              <a:t>Converting MFI values to standardized units (IU/ml) from standard curves </a:t>
+              <a:t>Converting MFI values to standardized units (IU/mL) from standard curves </a:t>
             </a:r>
           </a:p>
         </p:txBody>
@@ -6069,7 +5700,7 @@
                 <a:ea typeface="Aptos" panose="020B0004020202020204" pitchFamily="34" charset="0"/>
                 <a:cs typeface="Times New Roman" panose="02020603050405020304" pitchFamily="18" charset="0"/>
               </a:rPr>
-              <a:t>IU/ml concentrations</a:t>
+              <a:t>IU/mL concentrations</a:t>
             </a:r>
             <a:r>
               <a:rPr lang="en-US" sz="2800" kern="100" dirty="0">
@@ -6088,8 +5719,13 @@
             </a:pPr>
             <a:r>
               <a:rPr lang="en-US" dirty="0"/>
-              <a:t>Then, we can use this model to convert MFI values for the samples of interest to IU/ml.</a:t>
-            </a:r>
+              <a:t>Then, we can use this model to convert MFI values for the samples of interest to IU/</a:t>
+            </a:r>
+            <a:r>
+              <a:rPr lang="en-US" dirty="0" err="1"/>
+              <a:t>mL.</a:t>
+            </a:r>
+            <a:endParaRPr lang="en-US" dirty="0"/>
           </a:p>
           <a:p>
             <a:pPr marL="514350" indent="-514350">
@@ -6098,7 +5734,7 @@
             </a:pPr>
             <a:r>
               <a:rPr lang="en-US" dirty="0"/>
-              <a:t>Lastly, we apply the 9.36 IU/ml correlate of protection cutoff to the samples of interest to determine a binary serostatus for each sample.</a:t>
+              <a:t>Lastly, we apply the 9.36 IU/mL correlate of protection cutoff to the samples of interest to determine a binary serostatus for each sample.</a:t>
             </a:r>
           </a:p>
         </p:txBody>
@@ -6169,7 +5805,7 @@
           <a:p>
             <a:r>
               <a:rPr lang="en-US" sz="2400" dirty="0"/>
-              <a:t>For rubella (the “WRUV” antigen), we can apply the cutoff (based on correlate of protection) of 9.36 IU/ml to determine individual serostatus.</a:t>
+              <a:t>For rubella (the “WRUV” antigen), we can apply the cutoff (based on correlate of protection) of 9.36 IU/mL to determine individual serostatus.</a:t>
             </a:r>
           </a:p>
         </p:txBody>
@@ -6202,7 +5838,7 @@
           <a:p>
             <a:r>
               <a:rPr lang="en-US" dirty="0"/>
-              <a:t>Converting MFI values to standardized units (IU/ml) from standard curves </a:t>
+              <a:t>Converting MFI values to standardized units (IU/mL) from standard curves </a:t>
             </a:r>
           </a:p>
         </p:txBody>
@@ -7645,11 +7281,7 @@
           <a:p>
             <a:r>
               <a:rPr lang="en-US" dirty="0"/>
-              <a:t>Calculating seropositivity </a:t>
-            </a:r>
-            <a:r>
-              <a:rPr lang="en-US" i="1" dirty="0"/>
-              <a:t>or seroprevalence</a:t>
+              <a:t>Calculating seroprevalence</a:t>
             </a:r>
           </a:p>
         </p:txBody>
@@ -7687,7 +7319,7 @@
             </a:pPr>
             <a:r>
               <a:rPr lang="en-US" dirty="0"/>
-              <a:t>For WRUV, with a cutoff of 9.36 IU/ml, we have:</a:t>
+              <a:t>For WRUV, with a cutoff of 9.36 IU/mL, we have:</a:t>
             </a:r>
           </a:p>
           <a:p>
@@ -7710,8 +7342,8 @@
           </a:p>
         </p:txBody>
       </p:sp>
-      <mc:AlternateContent xmlns:mc="http://schemas.openxmlformats.org/markup-compatibility/2006" xmlns:a14="http://schemas.microsoft.com/office/drawing/2010/main">
-        <mc:Choice Requires="a14">
+      <mc:AlternateContent xmlns:mc="http://schemas.openxmlformats.org/markup-compatibility/2006">
+        <mc:Choice xmlns:a14="http://schemas.microsoft.com/office/drawing/2010/main" Requires="a14">
           <p:sp>
             <p:nvSpPr>
               <p:cNvPr id="7" name="TextBox 6">
@@ -7762,7 +7394,7 @@
                           <a:ea typeface="Aptos" panose="020B0004020202020204" pitchFamily="34" charset="0"/>
                           <a:cs typeface="Times New Roman" panose="02020603050405020304" pitchFamily="18" charset="0"/>
                         </a:rPr>
-                        <m:t>𝑆𝑒𝑟𝑜𝑝𝑜𝑠𝑖𝑡𝑖𝑣𝑖𝑡𝑦</m:t>
+                        <m:t>𝑆𝑒𝑟𝑜𝑝𝑟𝑒𝑣𝑎𝑙𝑒𝑛𝑐𝑒</m:t>
                       </m:r>
                       <m:r>
                         <a:rPr lang="en-US" sz="2400" b="0" i="1" kern="100" smtClean="0">
@@ -7963,7 +7595,7 @@
             </p:txBody>
           </p:sp>
         </mc:Choice>
-        <mc:Fallback xmlns="">
+        <mc:Fallback>
           <p:sp>
             <p:nvSpPr>
               <p:cNvPr id="7" name="TextBox 6">
@@ -8139,7 +7771,7 @@
           <a:p>
             <a:r>
               <a:rPr lang="en-US" dirty="0"/>
-              <a:t>Calculating seropositivity – confidence intervals</a:t>
+              <a:t>Calculating seroprevalence – confidence intervals</a:t>
             </a:r>
           </a:p>
         </p:txBody>
@@ -8168,44 +7800,25 @@
         </p:spPr>
         <p:txBody>
           <a:bodyPr>
-            <a:normAutofit fontScale="92500" lnSpcReduction="20000"/>
+            <a:normAutofit/>
           </a:bodyPr>
           <a:lstStyle/>
           <a:p>
             <a:r>
-              <a:rPr lang="en-US" dirty="0"/>
+              <a:rPr lang="en-US" sz="2600" dirty="0"/>
               <a:t>Estimating uncertainty is important for capturing true population seroprevalence; it typically accounts for variance around a mean estimate.</a:t>
             </a:r>
           </a:p>
           <a:p>
             <a:r>
-              <a:rPr lang="en-US" dirty="0"/>
+              <a:rPr lang="en-US" sz="2600" dirty="0"/>
               <a:t>Estimating a 95% confidence interval means that in 95 out of 100 calculations of seroprevalence from the same source population using 1000 individuals, the range will include the true population-level seroprevalence.</a:t>
             </a:r>
           </a:p>
           <a:p>
             <a:r>
-              <a:rPr lang="en-US" dirty="0"/>
+              <a:rPr lang="en-US" sz="2600" dirty="0"/>
               <a:t>This method uses a binomial distribution and accounts for the number of people sampled – luckily, we can use R to easily compute it:</a:t>
-            </a:r>
-          </a:p>
-          <a:p>
-            <a:endParaRPr lang="en-US" dirty="0"/>
-          </a:p>
-          <a:p>
-            <a:endParaRPr lang="en-US" dirty="0"/>
-          </a:p>
-          <a:p>
-            <a:pPr marL="239713" indent="0">
-              <a:buNone/>
-            </a:pPr>
-            <a:r>
-              <a:rPr lang="en-US" dirty="0"/>
-              <a:t>With 767 seropositive individuals and 1000 individuals total, the 95% CI is: </a:t>
-            </a:r>
-            <a:r>
-              <a:rPr lang="en-US" b="1" dirty="0"/>
-              <a:t>74.0% - 79.3%.</a:t>
             </a:r>
           </a:p>
         </p:txBody>
@@ -8232,7 +7845,7 @@
         </p:blipFill>
         <p:spPr>
           <a:xfrm>
-            <a:off x="3643312" y="4624074"/>
+            <a:off x="4080441" y="5376968"/>
             <a:ext cx="4031117" cy="890974"/>
           </a:xfrm>
           <a:prstGeom prst="rect">
@@ -8250,85 +7863,6 @@
   <p:clrMapOvr>
     <a:masterClrMapping/>
   </p:clrMapOvr>
-  <p:timing>
-    <p:tnLst>
-      <p:par>
-        <p:cTn id="1" dur="indefinite" restart="never" nodeType="tmRoot">
-          <p:childTnLst>
-            <p:seq concurrent="1" nextAc="seek">
-              <p:cTn id="2" dur="indefinite" nodeType="mainSeq">
-                <p:childTnLst>
-                  <p:par>
-                    <p:cTn id="3" fill="hold">
-                      <p:stCondLst>
-                        <p:cond delay="indefinite"/>
-                      </p:stCondLst>
-                      <p:childTnLst>
-                        <p:par>
-                          <p:cTn id="4" fill="hold">
-                            <p:stCondLst>
-                              <p:cond delay="0"/>
-                            </p:stCondLst>
-                            <p:childTnLst>
-                              <p:par>
-                                <p:cTn id="5" presetID="1" presetClass="entr" presetSubtype="0" fill="hold" nodeType="clickEffect">
-                                  <p:stCondLst>
-                                    <p:cond delay="0"/>
-                                  </p:stCondLst>
-                                  <p:childTnLst>
-                                    <p:set>
-                                      <p:cBhvr>
-                                        <p:cTn id="6" dur="1" fill="hold">
-                                          <p:stCondLst>
-                                            <p:cond delay="0"/>
-                                          </p:stCondLst>
-                                        </p:cTn>
-                                        <p:tgtEl>
-                                          <p:spTgt spid="3">
-                                            <p:txEl>
-                                              <p:pRg st="5" end="5"/>
-                                            </p:txEl>
-                                          </p:spTgt>
-                                        </p:tgtEl>
-                                        <p:attrNameLst>
-                                          <p:attrName>style.visibility</p:attrName>
-                                        </p:attrNameLst>
-                                      </p:cBhvr>
-                                      <p:to>
-                                        <p:strVal val="visible"/>
-                                      </p:to>
-                                    </p:set>
-                                  </p:childTnLst>
-                                </p:cTn>
-                              </p:par>
-                            </p:childTnLst>
-                          </p:cTn>
-                        </p:par>
-                      </p:childTnLst>
-                    </p:cTn>
-                  </p:par>
-                </p:childTnLst>
-              </p:cTn>
-              <p:prevCondLst>
-                <p:cond evt="onPrev" delay="0">
-                  <p:tgtEl>
-                    <p:sldTgt/>
-                  </p:tgtEl>
-                </p:cond>
-              </p:prevCondLst>
-              <p:nextCondLst>
-                <p:cond evt="onNext" delay="0">
-                  <p:tgtEl>
-                    <p:sldTgt/>
-                  </p:tgtEl>
-                </p:cond>
-              </p:nextCondLst>
-            </p:seq>
-          </p:childTnLst>
-        </p:cTn>
-      </p:par>
-    </p:tnLst>
-  </p:timing>
 </p:sld>
 </file>
 
@@ -8397,12 +7931,8 @@
               <a:buNone/>
             </a:pPr>
             <a:r>
-              <a:rPr lang="en-US" i="1" dirty="0"/>
-              <a:t>Seroprevalence</a:t>
-            </a:r>
-            <a:r>
               <a:rPr lang="en-US" dirty="0"/>
-              <a:t> = 76.7% (95% CI: 74.0%, 79.3%) </a:t>
+              <a:t>Seroprevalence = 76.7% (95% CI: 74.0%, 79.3%) </a:t>
             </a:r>
           </a:p>
           <a:p>
@@ -8438,7 +7968,7 @@
           <a:p>
             <a:r>
               <a:rPr lang="en-US" dirty="0"/>
-              <a:t>Calculating seropositivity – confidence intervals</a:t>
+              <a:t>Calculating seroprevalence – confidence intervals</a:t>
             </a:r>
           </a:p>
         </p:txBody>
@@ -9073,8 +8603,13 @@
             </a:pPr>
             <a:r>
               <a:rPr lang="en-US" b="1" dirty="0"/>
-              <a:t>How would we interpret seroprevalence if there is NOT a correlate of protection?</a:t>
-            </a:r>
+              <a:t>How would we interpret seroprevalence if there is NOT a correlate of protection? </a:t>
+            </a:r>
+            <a:r>
+              <a:rPr lang="en-US" dirty="0"/>
+              <a:t>(see Part 5)</a:t>
+            </a:r>
+            <a:endParaRPr lang="en-US" b="1" dirty="0"/>
           </a:p>
         </p:txBody>
       </p:sp>
@@ -9155,7 +8690,7 @@
         <p:spPr>
           <a:xfrm>
             <a:off x="947121" y="1690688"/>
-            <a:ext cx="7597140" cy="4351338"/>
+            <a:ext cx="10515600" cy="4351338"/>
           </a:xfrm>
         </p:spPr>
         <p:txBody>
@@ -9177,12 +8712,6 @@
             <a:r>
               <a:rPr lang="en-US" dirty="0"/>
               <a:t>Calculating seroprevalence from a cutoff</a:t>
-            </a:r>
-          </a:p>
-          <a:p>
-            <a:r>
-              <a:rPr lang="en-US" dirty="0"/>
-              <a:t>Selecting controls</a:t>
             </a:r>
           </a:p>
         </p:txBody>
@@ -9248,34 +8777,38 @@
             </a:pPr>
             <a:r>
               <a:rPr lang="en-US" b="1" dirty="0"/>
-              <a:t>How would we interpret seroprevalence if there is NOT a correlate of protection?</a:t>
-            </a:r>
-          </a:p>
-          <a:p>
+              <a:t>How would we interpret seroprevalence if there is NOT a correlate of protection? </a:t>
+            </a:r>
             <a:r>
               <a:rPr lang="en-US" dirty="0"/>
-              <a:t>For antigens in general, seroprevalence could indicate:</a:t>
+              <a:t>(see Part 5)</a:t>
+            </a:r>
+          </a:p>
+          <a:p>
+            <a:r>
+              <a:rPr lang="en-US" dirty="0"/>
+              <a:t>For antigens in general, seropositivity could indicate:</a:t>
             </a:r>
           </a:p>
           <a:p>
             <a:pPr lvl="1"/>
             <a:r>
               <a:rPr lang="en-US" dirty="0"/>
-              <a:t>Population ever exposed to pathogen or vaccine</a:t>
+              <a:t>Population who has ever been exposed to pathogen or vaccine</a:t>
             </a:r>
           </a:p>
           <a:p>
             <a:pPr lvl="1"/>
             <a:r>
               <a:rPr lang="en-US" dirty="0"/>
-              <a:t>Population with recent infection</a:t>
+              <a:t>Population who has had recent infection</a:t>
             </a:r>
           </a:p>
           <a:p>
             <a:pPr lvl="1"/>
             <a:r>
               <a:rPr lang="en-US" dirty="0"/>
-              <a:t>Population with symptomatic infection</a:t>
+              <a:t>Population who has had symptomatic infection</a:t>
             </a:r>
           </a:p>
           <a:p>
@@ -9355,7 +8888,7 @@
           <p:cNvPr id="2" name="Title 1">
             <a:extLst>
               <a:ext uri="{FF2B5EF4-FFF2-40B4-BE49-F238E27FC236}">
-                <a16:creationId xmlns:a16="http://schemas.microsoft.com/office/drawing/2014/main" id="{F73C67F2-F3E5-A50F-A7C5-2EF0A34C9F21}"/>
+                <a16:creationId xmlns:a16="http://schemas.microsoft.com/office/drawing/2014/main" id="{210510F7-6FB9-CB6D-166B-B0B1018724BB}"/>
               </a:ext>
             </a:extLst>
           </p:cNvPr>
@@ -9373,7 +8906,7 @@
           <a:p>
             <a:r>
               <a:rPr lang="en-US" dirty="0"/>
-              <a:t>Controls </a:t>
+              <a:t>Conclusions</a:t>
             </a:r>
           </a:p>
         </p:txBody>
@@ -9383,7 +8916,7 @@
           <p:cNvPr id="3" name="Content Placeholder 2">
             <a:extLst>
               <a:ext uri="{FF2B5EF4-FFF2-40B4-BE49-F238E27FC236}">
-                <a16:creationId xmlns:a16="http://schemas.microsoft.com/office/drawing/2014/main" id="{4DAE5214-2F99-3603-C4C1-121D106104AC}"/>
+                <a16:creationId xmlns:a16="http://schemas.microsoft.com/office/drawing/2014/main" id="{39CCD9E5-F605-FC4F-6971-2ED435FBD898}"/>
               </a:ext>
             </a:extLst>
           </p:cNvPr>
@@ -9401,1376 +8934,23 @@
           </a:bodyPr>
           <a:lstStyle/>
           <a:p>
-            <a:pPr marL="342900" marR="0" lvl="0" indent="-342900">
-              <a:lnSpc>
-                <a:spcPct val="115000"/>
-              </a:lnSpc>
-              <a:buFont typeface="Symbol" pitchFamily="2" charset="2"/>
-              <a:buChar char=""/>
-            </a:pPr>
-            <a:r>
-              <a:rPr lang="en-US" kern="100" dirty="0">
-                <a:effectLst/>
-                <a:latin typeface="Aptos" panose="020B0004020202020204" pitchFamily="34" charset="0"/>
-                <a:ea typeface="Aptos" panose="020B0004020202020204" pitchFamily="34" charset="0"/>
-                <a:cs typeface="Times New Roman" panose="02020603050405020304" pitchFamily="18" charset="0"/>
-              </a:rPr>
-              <a:t>If we don’t have a correlate of protection, we can use well-characterized control samples to determine cutoffs for seropositivity.</a:t>
-            </a:r>
-          </a:p>
-          <a:p>
-            <a:pPr marL="800100" lvl="1" indent="-342900">
-              <a:lnSpc>
-                <a:spcPct val="115000"/>
-              </a:lnSpc>
-              <a:buFont typeface="Symbol" pitchFamily="2" charset="2"/>
-              <a:buChar char=""/>
-            </a:pPr>
-            <a:r>
-              <a:rPr lang="en-US" sz="2800" kern="100" dirty="0">
-                <a:effectLst/>
-                <a:latin typeface="Aptos" panose="020B0004020202020204" pitchFamily="34" charset="0"/>
-                <a:ea typeface="Aptos" panose="020B0004020202020204" pitchFamily="34" charset="0"/>
-                <a:cs typeface="Times New Roman" panose="02020603050405020304" pitchFamily="18" charset="0"/>
-              </a:rPr>
-              <a:t>Ideally, we </a:t>
-            </a:r>
-            <a:r>
-              <a:rPr lang="en-US" sz="2800" kern="100" dirty="0">
-                <a:latin typeface="Aptos" panose="020B0004020202020204" pitchFamily="34" charset="0"/>
-                <a:ea typeface="Aptos" panose="020B0004020202020204" pitchFamily="34" charset="0"/>
-                <a:cs typeface="Times New Roman" panose="02020603050405020304" pitchFamily="18" charset="0"/>
-              </a:rPr>
-              <a:t>w</a:t>
-            </a:r>
-            <a:r>
-              <a:rPr lang="en-US" sz="2800" kern="100" dirty="0">
-                <a:effectLst/>
-                <a:latin typeface="Aptos" panose="020B0004020202020204" pitchFamily="34" charset="0"/>
-                <a:ea typeface="Aptos" panose="020B0004020202020204" pitchFamily="34" charset="0"/>
-                <a:cs typeface="Times New Roman" panose="02020603050405020304" pitchFamily="18" charset="0"/>
-              </a:rPr>
-              <a:t>ould have positive and negative controls. </a:t>
-            </a:r>
-          </a:p>
-          <a:p>
-            <a:pPr marL="800100" lvl="1" indent="-342900">
-              <a:lnSpc>
-                <a:spcPct val="115000"/>
-              </a:lnSpc>
-              <a:buFont typeface="Symbol" pitchFamily="2" charset="2"/>
-              <a:buChar char=""/>
-            </a:pPr>
-            <a:r>
-              <a:rPr lang="en-US" sz="2800" kern="100" dirty="0">
-                <a:effectLst/>
-                <a:latin typeface="Aptos" panose="020B0004020202020204" pitchFamily="34" charset="0"/>
-                <a:ea typeface="Aptos" panose="020B0004020202020204" pitchFamily="34" charset="0"/>
-                <a:cs typeface="Times New Roman" panose="02020603050405020304" pitchFamily="18" charset="0"/>
-              </a:rPr>
-              <a:t>Often, we only </a:t>
-            </a:r>
-            <a:r>
-              <a:rPr lang="en-US" sz="2800" kern="100" dirty="0">
-                <a:latin typeface="Aptos" panose="020B0004020202020204" pitchFamily="34" charset="0"/>
-                <a:ea typeface="Aptos" panose="020B0004020202020204" pitchFamily="34" charset="0"/>
-                <a:cs typeface="Times New Roman" panose="02020603050405020304" pitchFamily="18" charset="0"/>
-              </a:rPr>
-              <a:t>have negative controls, and sometimes we don’t have positive or negative controls.</a:t>
-            </a:r>
-          </a:p>
-          <a:p>
-            <a:pPr marL="342900" marR="0" lvl="0" indent="-342900">
-              <a:lnSpc>
-                <a:spcPct val="115000"/>
-              </a:lnSpc>
-              <a:buFont typeface="Symbol" pitchFamily="2" charset="2"/>
-              <a:buChar char=""/>
-            </a:pPr>
-            <a:r>
-              <a:rPr lang="en-US" kern="100" dirty="0">
-                <a:latin typeface="Aptos" panose="020B0004020202020204" pitchFamily="34" charset="0"/>
-                <a:ea typeface="Aptos" panose="020B0004020202020204" pitchFamily="34" charset="0"/>
-                <a:cs typeface="Times New Roman" panose="02020603050405020304" pitchFamily="18" charset="0"/>
-              </a:rPr>
-              <a:t>The controls we use to establish cutoffs can affect our interpretation of seroprevalence.</a:t>
-            </a:r>
-            <a:endParaRPr lang="en-US" kern="100" dirty="0">
-              <a:effectLst/>
-              <a:latin typeface="Aptos" panose="020B0004020202020204" pitchFamily="34" charset="0"/>
-              <a:ea typeface="Aptos" panose="020B0004020202020204" pitchFamily="34" charset="0"/>
-              <a:cs typeface="Times New Roman" panose="02020603050405020304" pitchFamily="18" charset="0"/>
-            </a:endParaRPr>
-          </a:p>
-          <a:p>
-            <a:endParaRPr lang="en-US" dirty="0"/>
+            <a:r>
+              <a:rPr lang="en-US" sz="3000" dirty="0"/>
+              <a:t>You should visualize your data before conducting analysis.</a:t>
+            </a:r>
+          </a:p>
+          <a:p>
+            <a:r>
+              <a:rPr lang="en-US" sz="3000" dirty="0"/>
+              <a:t>It can be useful to classify samples as seropositive and seronegative, and to calculate seroprevalence.</a:t>
+            </a:r>
           </a:p>
         </p:txBody>
       </p:sp>
     </p:spTree>
     <p:extLst>
       <p:ext uri="{BB962C8B-B14F-4D97-AF65-F5344CB8AC3E}">
-        <p14:creationId xmlns:p14="http://schemas.microsoft.com/office/powerpoint/2010/main" val="40204400"/>
-      </p:ext>
-    </p:extLst>
-  </p:cSld>
-  <p:clrMapOvr>
-    <a:masterClrMapping/>
-  </p:clrMapOvr>
-</p:sld>
-</file>
-
-<file path=ppt/slides/slide22.xml><?xml version="1.0" encoding="utf-8"?>
-<p:sld xmlns:a="http://schemas.openxmlformats.org/drawingml/2006/main" xmlns:r="http://schemas.openxmlformats.org/officeDocument/2006/relationships" xmlns:p="http://schemas.openxmlformats.org/presentationml/2006/main">
-  <p:cSld>
-    <p:spTree>
-      <p:nvGrpSpPr>
-        <p:cNvPr id="1" name=""/>
-        <p:cNvGrpSpPr/>
-        <p:nvPr/>
-      </p:nvGrpSpPr>
-      <p:grpSpPr>
-        <a:xfrm>
-          <a:off x="0" y="0"/>
-          <a:ext cx="0" cy="0"/>
-          <a:chOff x="0" y="0"/>
-          <a:chExt cx="0" cy="0"/>
-        </a:xfrm>
-      </p:grpSpPr>
-      <p:sp>
-        <p:nvSpPr>
-          <p:cNvPr id="2" name="Title 1">
-            <a:extLst>
-              <a:ext uri="{FF2B5EF4-FFF2-40B4-BE49-F238E27FC236}">
-                <a16:creationId xmlns:a16="http://schemas.microsoft.com/office/drawing/2014/main" id="{7FC78CD1-12C2-3907-41D4-F0A5A9A15AC7}"/>
-              </a:ext>
-            </a:extLst>
-          </p:cNvPr>
-          <p:cNvSpPr>
-            <a:spLocks noGrp="1"/>
-          </p:cNvSpPr>
-          <p:nvPr>
-            <p:ph type="title"/>
-          </p:nvPr>
-        </p:nvSpPr>
-        <p:spPr/>
-        <p:txBody>
-          <a:bodyPr/>
-          <a:lstStyle/>
-          <a:p>
-            <a:r>
-              <a:rPr lang="en-US" dirty="0"/>
-              <a:t>Non-target antigen controls</a:t>
-            </a:r>
-          </a:p>
-        </p:txBody>
-      </p:sp>
-      <p:sp>
-        <p:nvSpPr>
-          <p:cNvPr id="3" name="Content Placeholder 2">
-            <a:extLst>
-              <a:ext uri="{FF2B5EF4-FFF2-40B4-BE49-F238E27FC236}">
-                <a16:creationId xmlns:a16="http://schemas.microsoft.com/office/drawing/2014/main" id="{7991FF55-39F5-9352-E18D-29E7BB35183C}"/>
-              </a:ext>
-            </a:extLst>
-          </p:cNvPr>
-          <p:cNvSpPr>
-            <a:spLocks noGrp="1"/>
-          </p:cNvSpPr>
-          <p:nvPr>
-            <p:ph idx="1"/>
-          </p:nvPr>
-        </p:nvSpPr>
-        <p:spPr>
-          <a:xfrm>
-            <a:off x="838200" y="1825625"/>
-            <a:ext cx="6793089" cy="4351338"/>
-          </a:xfrm>
-        </p:spPr>
-        <p:txBody>
-          <a:bodyPr/>
-          <a:lstStyle/>
-          <a:p>
-            <a:r>
-              <a:rPr lang="en-US" dirty="0"/>
-              <a:t>We also have controls with non-target antigens (SNAP in our dataset; other common ones are GST and Vero cell).</a:t>
-            </a:r>
-          </a:p>
-          <a:p>
-            <a:r>
-              <a:rPr lang="en-US" dirty="0"/>
-              <a:t>These controls can ensure that the plate ran correctly, whether values are similar between plates, and high values can indicate non-specific binding.</a:t>
-            </a:r>
-          </a:p>
-          <a:p>
-            <a:r>
-              <a:rPr lang="en-US" dirty="0"/>
-              <a:t>The non-target antigen values should ideally not differ between samples with high and low antigen values.</a:t>
-            </a:r>
-          </a:p>
-        </p:txBody>
-      </p:sp>
-      <p:pic>
-        <p:nvPicPr>
-          <p:cNvPr id="5" name="Picture 4">
-            <a:extLst>
-              <a:ext uri="{FF2B5EF4-FFF2-40B4-BE49-F238E27FC236}">
-                <a16:creationId xmlns:a16="http://schemas.microsoft.com/office/drawing/2014/main" id="{21FCA42F-EE7A-708B-4F09-08A201B6CFCA}"/>
-              </a:ext>
-            </a:extLst>
-          </p:cNvPr>
-          <p:cNvPicPr>
-            <a:picLocks noChangeAspect="1"/>
-          </p:cNvPicPr>
-          <p:nvPr/>
-        </p:nvPicPr>
-        <p:blipFill>
-          <a:blip r:embed="rId2"/>
-          <a:stretch>
-            <a:fillRect/>
-          </a:stretch>
-        </p:blipFill>
-        <p:spPr>
-          <a:xfrm>
-            <a:off x="7836383" y="1292949"/>
-            <a:ext cx="3119851" cy="4572000"/>
-          </a:xfrm>
-          <a:prstGeom prst="rect">
-            <a:avLst/>
-          </a:prstGeom>
-        </p:spPr>
-      </p:pic>
-    </p:spTree>
-    <p:extLst>
-      <p:ext uri="{BB962C8B-B14F-4D97-AF65-F5344CB8AC3E}">
-        <p14:creationId xmlns:p14="http://schemas.microsoft.com/office/powerpoint/2010/main" val="2276494847"/>
-      </p:ext>
-    </p:extLst>
-  </p:cSld>
-  <p:clrMapOvr>
-    <a:masterClrMapping/>
-  </p:clrMapOvr>
-</p:sld>
-</file>
-
-<file path=ppt/slides/slide23.xml><?xml version="1.0" encoding="utf-8"?>
-<p:sld xmlns:a="http://schemas.openxmlformats.org/drawingml/2006/main" xmlns:r="http://schemas.openxmlformats.org/officeDocument/2006/relationships" xmlns:p="http://schemas.openxmlformats.org/presentationml/2006/main">
-  <p:cSld>
-    <p:spTree>
-      <p:nvGrpSpPr>
-        <p:cNvPr id="1" name=""/>
-        <p:cNvGrpSpPr/>
-        <p:nvPr/>
-      </p:nvGrpSpPr>
-      <p:grpSpPr>
-        <a:xfrm>
-          <a:off x="0" y="0"/>
-          <a:ext cx="0" cy="0"/>
-          <a:chOff x="0" y="0"/>
-          <a:chExt cx="0" cy="0"/>
-        </a:xfrm>
-      </p:grpSpPr>
-      <p:sp>
-        <p:nvSpPr>
-          <p:cNvPr id="2" name="Title 1">
-            <a:extLst>
-              <a:ext uri="{FF2B5EF4-FFF2-40B4-BE49-F238E27FC236}">
-                <a16:creationId xmlns:a16="http://schemas.microsoft.com/office/drawing/2014/main" id="{A9218A3A-1137-C5FC-BF5F-70B892ADB326}"/>
-              </a:ext>
-            </a:extLst>
-          </p:cNvPr>
-          <p:cNvSpPr>
-            <a:spLocks noGrp="1"/>
-          </p:cNvSpPr>
-          <p:nvPr>
-            <p:ph type="title"/>
-          </p:nvPr>
-        </p:nvSpPr>
-        <p:spPr/>
-        <p:txBody>
-          <a:bodyPr/>
-          <a:lstStyle/>
-          <a:p>
-            <a:r>
-              <a:rPr lang="en-US" dirty="0"/>
-              <a:t>Positive controls </a:t>
-            </a:r>
-          </a:p>
-        </p:txBody>
-      </p:sp>
-      <p:sp>
-        <p:nvSpPr>
-          <p:cNvPr id="3" name="Content Placeholder 2">
-            <a:extLst>
-              <a:ext uri="{FF2B5EF4-FFF2-40B4-BE49-F238E27FC236}">
-                <a16:creationId xmlns:a16="http://schemas.microsoft.com/office/drawing/2014/main" id="{6E4F3BB0-8E18-4F0A-7809-AAA20A88B242}"/>
-              </a:ext>
-            </a:extLst>
-          </p:cNvPr>
-          <p:cNvSpPr>
-            <a:spLocks noGrp="1"/>
-          </p:cNvSpPr>
-          <p:nvPr>
-            <p:ph idx="1"/>
-          </p:nvPr>
-        </p:nvSpPr>
-        <p:spPr>
-          <a:xfrm>
-            <a:off x="838200" y="1533017"/>
-            <a:ext cx="10515600" cy="4351338"/>
-          </a:xfrm>
-        </p:spPr>
-        <p:txBody>
-          <a:bodyPr>
-            <a:noAutofit/>
-          </a:bodyPr>
-          <a:lstStyle/>
-          <a:p>
-            <a:pPr>
-              <a:lnSpc>
-                <a:spcPct val="115000"/>
-              </a:lnSpc>
-            </a:pPr>
-            <a:r>
-              <a:rPr lang="en-US" kern="100" dirty="0">
-                <a:effectLst/>
-                <a:latin typeface="Aptos" panose="020B0004020202020204" pitchFamily="34" charset="0"/>
-                <a:ea typeface="Aptos" panose="020B0004020202020204" pitchFamily="34" charset="0"/>
-                <a:cs typeface="Times New Roman" panose="02020603050405020304" pitchFamily="18" charset="0"/>
-              </a:rPr>
-              <a:t>Often, positive controls are based on antibody responses from people who </a:t>
-            </a:r>
-            <a:r>
-              <a:rPr lang="en-US" kern="100" dirty="0">
-                <a:latin typeface="Aptos" panose="020B0004020202020204" pitchFamily="34" charset="0"/>
-                <a:ea typeface="Aptos" panose="020B0004020202020204" pitchFamily="34" charset="0"/>
-                <a:cs typeface="Times New Roman" panose="02020603050405020304" pitchFamily="18" charset="0"/>
-              </a:rPr>
-              <a:t>are known to have had </a:t>
-            </a:r>
-            <a:r>
-              <a:rPr lang="en-US" kern="100" dirty="0">
-                <a:effectLst/>
-                <a:latin typeface="Aptos" panose="020B0004020202020204" pitchFamily="34" charset="0"/>
-                <a:ea typeface="Aptos" panose="020B0004020202020204" pitchFamily="34" charset="0"/>
-                <a:cs typeface="Times New Roman" panose="02020603050405020304" pitchFamily="18" charset="0"/>
-              </a:rPr>
-              <a:t>symptomatic disease. </a:t>
-            </a:r>
-          </a:p>
-          <a:p>
-            <a:pPr>
-              <a:lnSpc>
-                <a:spcPct val="115000"/>
-              </a:lnSpc>
-            </a:pPr>
-            <a:r>
-              <a:rPr lang="en-US" b="1" kern="100" dirty="0">
-                <a:effectLst/>
-                <a:latin typeface="Aptos" panose="020B0004020202020204" pitchFamily="34" charset="0"/>
-                <a:ea typeface="Aptos" panose="020B0004020202020204" pitchFamily="34" charset="0"/>
-                <a:cs typeface="Times New Roman" panose="02020603050405020304" pitchFamily="18" charset="0"/>
-              </a:rPr>
-              <a:t>How might positive controls differ from positives in samples?</a:t>
-            </a:r>
-          </a:p>
-        </p:txBody>
-      </p:sp>
-    </p:spTree>
-    <p:extLst>
-      <p:ext uri="{BB962C8B-B14F-4D97-AF65-F5344CB8AC3E}">
-        <p14:creationId xmlns:p14="http://schemas.microsoft.com/office/powerpoint/2010/main" val="2856764265"/>
-      </p:ext>
-    </p:extLst>
-  </p:cSld>
-  <p:clrMapOvr>
-    <a:masterClrMapping/>
-  </p:clrMapOvr>
-</p:sld>
-</file>
-
-<file path=ppt/slides/slide24.xml><?xml version="1.0" encoding="utf-8"?>
-<p:sld xmlns:a="http://schemas.openxmlformats.org/drawingml/2006/main" xmlns:r="http://schemas.openxmlformats.org/officeDocument/2006/relationships" xmlns:p="http://schemas.openxmlformats.org/presentationml/2006/main">
-  <p:cSld>
-    <p:spTree>
-      <p:nvGrpSpPr>
-        <p:cNvPr id="1" name="">
-          <a:extLst>
-            <a:ext uri="{FF2B5EF4-FFF2-40B4-BE49-F238E27FC236}">
-              <a16:creationId xmlns:a16="http://schemas.microsoft.com/office/drawing/2014/main" id="{D66CFD13-5E28-17E5-E27B-7C80C08B4D42}"/>
-            </a:ext>
-          </a:extLst>
-        </p:cNvPr>
-        <p:cNvGrpSpPr/>
-        <p:nvPr/>
-      </p:nvGrpSpPr>
-      <p:grpSpPr>
-        <a:xfrm>
-          <a:off x="0" y="0"/>
-          <a:ext cx="0" cy="0"/>
-          <a:chOff x="0" y="0"/>
-          <a:chExt cx="0" cy="0"/>
-        </a:xfrm>
-      </p:grpSpPr>
-      <p:sp>
-        <p:nvSpPr>
-          <p:cNvPr id="2" name="Title 1">
-            <a:extLst>
-              <a:ext uri="{FF2B5EF4-FFF2-40B4-BE49-F238E27FC236}">
-                <a16:creationId xmlns:a16="http://schemas.microsoft.com/office/drawing/2014/main" id="{A4C50C4B-CACB-7D91-7AD3-9EAA81DFC124}"/>
-              </a:ext>
-            </a:extLst>
-          </p:cNvPr>
-          <p:cNvSpPr>
-            <a:spLocks noGrp="1"/>
-          </p:cNvSpPr>
-          <p:nvPr>
-            <p:ph type="title"/>
-          </p:nvPr>
-        </p:nvSpPr>
-        <p:spPr/>
-        <p:txBody>
-          <a:bodyPr/>
-          <a:lstStyle/>
-          <a:p>
-            <a:r>
-              <a:rPr lang="en-US" dirty="0"/>
-              <a:t>Positive controls </a:t>
-            </a:r>
-          </a:p>
-        </p:txBody>
-      </p:sp>
-      <p:sp>
-        <p:nvSpPr>
-          <p:cNvPr id="3" name="Content Placeholder 2">
-            <a:extLst>
-              <a:ext uri="{FF2B5EF4-FFF2-40B4-BE49-F238E27FC236}">
-                <a16:creationId xmlns:a16="http://schemas.microsoft.com/office/drawing/2014/main" id="{14812522-68ED-F54E-A149-754C5AAB7C48}"/>
-              </a:ext>
-            </a:extLst>
-          </p:cNvPr>
-          <p:cNvSpPr>
-            <a:spLocks noGrp="1"/>
-          </p:cNvSpPr>
-          <p:nvPr>
-            <p:ph idx="1"/>
-          </p:nvPr>
-        </p:nvSpPr>
-        <p:spPr>
-          <a:xfrm>
-            <a:off x="838200" y="1533017"/>
-            <a:ext cx="10515600" cy="4351338"/>
-          </a:xfrm>
-        </p:spPr>
-        <p:txBody>
-          <a:bodyPr>
-            <a:noAutofit/>
-          </a:bodyPr>
-          <a:lstStyle/>
-          <a:p>
-            <a:pPr>
-              <a:lnSpc>
-                <a:spcPct val="115000"/>
-              </a:lnSpc>
-            </a:pPr>
-            <a:r>
-              <a:rPr lang="en-US" kern="100" dirty="0">
-                <a:effectLst/>
-                <a:latin typeface="Aptos" panose="020B0004020202020204" pitchFamily="34" charset="0"/>
-                <a:ea typeface="Aptos" panose="020B0004020202020204" pitchFamily="34" charset="0"/>
-                <a:cs typeface="Times New Roman" panose="02020603050405020304" pitchFamily="18" charset="0"/>
-              </a:rPr>
-              <a:t>Often, positive controls are based on antibody responses from people who </a:t>
-            </a:r>
-            <a:r>
-              <a:rPr lang="en-US" kern="100" dirty="0">
-                <a:latin typeface="Aptos" panose="020B0004020202020204" pitchFamily="34" charset="0"/>
-                <a:ea typeface="Aptos" panose="020B0004020202020204" pitchFamily="34" charset="0"/>
-                <a:cs typeface="Times New Roman" panose="02020603050405020304" pitchFamily="18" charset="0"/>
-              </a:rPr>
-              <a:t>are known to have had symptomatic disease. </a:t>
-            </a:r>
-          </a:p>
-          <a:p>
-            <a:pPr>
-              <a:lnSpc>
-                <a:spcPct val="115000"/>
-              </a:lnSpc>
-            </a:pPr>
-            <a:r>
-              <a:rPr lang="en-US" b="1" kern="100" dirty="0">
-                <a:effectLst/>
-                <a:latin typeface="Aptos" panose="020B0004020202020204" pitchFamily="34" charset="0"/>
-                <a:ea typeface="Aptos" panose="020B0004020202020204" pitchFamily="34" charset="0"/>
-                <a:cs typeface="Times New Roman" panose="02020603050405020304" pitchFamily="18" charset="0"/>
-              </a:rPr>
-              <a:t>How might positive controls differ from positives in samples?</a:t>
-            </a:r>
-          </a:p>
-          <a:p>
-            <a:pPr lvl="2">
-              <a:lnSpc>
-                <a:spcPct val="115000"/>
-              </a:lnSpc>
-              <a:buFont typeface="Courier New" panose="02070309020205020404" pitchFamily="49" charset="0"/>
-              <a:buChar char="o"/>
-            </a:pPr>
-            <a:r>
-              <a:rPr lang="en-US" sz="2600" kern="100" dirty="0">
-                <a:latin typeface="Aptos" panose="020B0004020202020204" pitchFamily="34" charset="0"/>
-                <a:ea typeface="Aptos" panose="020B0004020202020204" pitchFamily="34" charset="0"/>
-                <a:cs typeface="Times New Roman" panose="02020603050405020304" pitchFamily="18" charset="0"/>
-              </a:rPr>
-              <a:t>Vaccination vs. natural infection</a:t>
-            </a:r>
-          </a:p>
-          <a:p>
-            <a:pPr lvl="2">
-              <a:lnSpc>
-                <a:spcPct val="115000"/>
-              </a:lnSpc>
-              <a:buFont typeface="Courier New" panose="02070309020205020404" pitchFamily="49" charset="0"/>
-              <a:buChar char="o"/>
-            </a:pPr>
-            <a:r>
-              <a:rPr lang="en-US" sz="2600" kern="100" dirty="0">
-                <a:latin typeface="Aptos" panose="020B0004020202020204" pitchFamily="34" charset="0"/>
-                <a:ea typeface="Aptos" panose="020B0004020202020204" pitchFamily="34" charset="0"/>
-                <a:cs typeface="Times New Roman" panose="02020603050405020304" pitchFamily="18" charset="0"/>
-              </a:rPr>
-              <a:t>Intensity of infection – severe, symptomatic, asymptomatic – (controls may be more likely to have clinical or severe infection)</a:t>
-            </a:r>
-          </a:p>
-          <a:p>
-            <a:pPr lvl="2">
-              <a:lnSpc>
-                <a:spcPct val="115000"/>
-              </a:lnSpc>
-              <a:spcAft>
-                <a:spcPts val="800"/>
-              </a:spcAft>
-              <a:buFont typeface="Courier New" panose="02070309020205020404" pitchFamily="49" charset="0"/>
-              <a:buChar char="o"/>
-            </a:pPr>
-            <a:r>
-              <a:rPr lang="en-US" sz="2600" kern="100" dirty="0">
-                <a:latin typeface="Aptos" panose="020B0004020202020204" pitchFamily="34" charset="0"/>
-                <a:ea typeface="Aptos" panose="020B0004020202020204" pitchFamily="34" charset="0"/>
-                <a:cs typeface="Times New Roman" panose="02020603050405020304" pitchFamily="18" charset="0"/>
-              </a:rPr>
-              <a:t>Timing since infection (controls likely were taken from acute infection phase)</a:t>
-            </a:r>
-          </a:p>
-          <a:p>
-            <a:pPr>
-              <a:lnSpc>
-                <a:spcPct val="115000"/>
-              </a:lnSpc>
-            </a:pPr>
-            <a:endParaRPr lang="en-US" sz="3000" b="1" kern="100" dirty="0">
-              <a:effectLst/>
-              <a:latin typeface="Aptos" panose="020B0004020202020204" pitchFamily="34" charset="0"/>
-              <a:ea typeface="Aptos" panose="020B0004020202020204" pitchFamily="34" charset="0"/>
-              <a:cs typeface="Times New Roman" panose="02020603050405020304" pitchFamily="18" charset="0"/>
-            </a:endParaRPr>
-          </a:p>
-        </p:txBody>
-      </p:sp>
-    </p:spTree>
-    <p:extLst>
-      <p:ext uri="{BB962C8B-B14F-4D97-AF65-F5344CB8AC3E}">
-        <p14:creationId xmlns:p14="http://schemas.microsoft.com/office/powerpoint/2010/main" val="1444229574"/>
-      </p:ext>
-    </p:extLst>
-  </p:cSld>
-  <p:clrMapOvr>
-    <a:masterClrMapping/>
-  </p:clrMapOvr>
-</p:sld>
-</file>
-
-<file path=ppt/slides/slide25.xml><?xml version="1.0" encoding="utf-8"?>
-<p:sld xmlns:a="http://schemas.openxmlformats.org/drawingml/2006/main" xmlns:r="http://schemas.openxmlformats.org/officeDocument/2006/relationships" xmlns:p="http://schemas.openxmlformats.org/presentationml/2006/main">
-  <p:cSld>
-    <p:spTree>
-      <p:nvGrpSpPr>
-        <p:cNvPr id="1" name=""/>
-        <p:cNvGrpSpPr/>
-        <p:nvPr/>
-      </p:nvGrpSpPr>
-      <p:grpSpPr>
-        <a:xfrm>
-          <a:off x="0" y="0"/>
-          <a:ext cx="0" cy="0"/>
-          <a:chOff x="0" y="0"/>
-          <a:chExt cx="0" cy="0"/>
-        </a:xfrm>
-      </p:grpSpPr>
-      <p:sp>
-        <p:nvSpPr>
-          <p:cNvPr id="2" name="Title 1">
-            <a:extLst>
-              <a:ext uri="{FF2B5EF4-FFF2-40B4-BE49-F238E27FC236}">
-                <a16:creationId xmlns:a16="http://schemas.microsoft.com/office/drawing/2014/main" id="{1EFCD11A-21F2-D777-EB16-8AAC4B102A42}"/>
-              </a:ext>
-            </a:extLst>
-          </p:cNvPr>
-          <p:cNvSpPr>
-            <a:spLocks noGrp="1"/>
-          </p:cNvSpPr>
-          <p:nvPr>
-            <p:ph type="title"/>
-          </p:nvPr>
-        </p:nvSpPr>
-        <p:spPr/>
-        <p:txBody>
-          <a:bodyPr/>
-          <a:lstStyle/>
-          <a:p>
-            <a:r>
-              <a:rPr lang="en-US" dirty="0"/>
-              <a:t>Negative controls</a:t>
-            </a:r>
-          </a:p>
-        </p:txBody>
-      </p:sp>
-      <p:sp>
-        <p:nvSpPr>
-          <p:cNvPr id="3" name="Content Placeholder 2">
-            <a:extLst>
-              <a:ext uri="{FF2B5EF4-FFF2-40B4-BE49-F238E27FC236}">
-                <a16:creationId xmlns:a16="http://schemas.microsoft.com/office/drawing/2014/main" id="{68AFC8B9-212A-6332-70B0-1D62491C6249}"/>
-              </a:ext>
-            </a:extLst>
-          </p:cNvPr>
-          <p:cNvSpPr>
-            <a:spLocks noGrp="1"/>
-          </p:cNvSpPr>
-          <p:nvPr>
-            <p:ph idx="1"/>
-          </p:nvPr>
-        </p:nvSpPr>
-        <p:spPr/>
-        <p:txBody>
-          <a:bodyPr>
-            <a:normAutofit/>
-          </a:bodyPr>
-          <a:lstStyle/>
-          <a:p>
-            <a:pPr>
-              <a:lnSpc>
-                <a:spcPct val="115000"/>
-              </a:lnSpc>
-              <a:buFont typeface="Symbol" pitchFamily="2" charset="2"/>
-              <a:buChar char=""/>
-            </a:pPr>
-            <a:r>
-              <a:rPr lang="en-US" b="1" kern="100" dirty="0">
-                <a:effectLst/>
-                <a:latin typeface="Aptos" panose="020B0004020202020204" pitchFamily="34" charset="0"/>
-                <a:ea typeface="Aptos" panose="020B0004020202020204" pitchFamily="34" charset="0"/>
-                <a:cs typeface="Times New Roman" panose="02020603050405020304" pitchFamily="18" charset="0"/>
-              </a:rPr>
-              <a:t>What populations might be best to get negative controls from?</a:t>
-            </a:r>
-          </a:p>
-        </p:txBody>
-      </p:sp>
-    </p:spTree>
-    <p:extLst>
-      <p:ext uri="{BB962C8B-B14F-4D97-AF65-F5344CB8AC3E}">
-        <p14:creationId xmlns:p14="http://schemas.microsoft.com/office/powerpoint/2010/main" val="2594302332"/>
-      </p:ext>
-    </p:extLst>
-  </p:cSld>
-  <p:clrMapOvr>
-    <a:masterClrMapping/>
-  </p:clrMapOvr>
-</p:sld>
-</file>
-
-<file path=ppt/slides/slide26.xml><?xml version="1.0" encoding="utf-8"?>
-<p:sld xmlns:a="http://schemas.openxmlformats.org/drawingml/2006/main" xmlns:r="http://schemas.openxmlformats.org/officeDocument/2006/relationships" xmlns:p="http://schemas.openxmlformats.org/presentationml/2006/main">
-  <p:cSld>
-    <p:spTree>
-      <p:nvGrpSpPr>
-        <p:cNvPr id="1" name="">
-          <a:extLst>
-            <a:ext uri="{FF2B5EF4-FFF2-40B4-BE49-F238E27FC236}">
-              <a16:creationId xmlns:a16="http://schemas.microsoft.com/office/drawing/2014/main" id="{BEDAF7FE-3E55-EEA7-DA08-3B319CD5D2C9}"/>
-            </a:ext>
-          </a:extLst>
-        </p:cNvPr>
-        <p:cNvGrpSpPr/>
-        <p:nvPr/>
-      </p:nvGrpSpPr>
-      <p:grpSpPr>
-        <a:xfrm>
-          <a:off x="0" y="0"/>
-          <a:ext cx="0" cy="0"/>
-          <a:chOff x="0" y="0"/>
-          <a:chExt cx="0" cy="0"/>
-        </a:xfrm>
-      </p:grpSpPr>
-      <p:sp>
-        <p:nvSpPr>
-          <p:cNvPr id="2" name="Title 1">
-            <a:extLst>
-              <a:ext uri="{FF2B5EF4-FFF2-40B4-BE49-F238E27FC236}">
-                <a16:creationId xmlns:a16="http://schemas.microsoft.com/office/drawing/2014/main" id="{19CE1CBF-80F0-35D0-185C-3F4CDBD08724}"/>
-              </a:ext>
-            </a:extLst>
-          </p:cNvPr>
-          <p:cNvSpPr>
-            <a:spLocks noGrp="1"/>
-          </p:cNvSpPr>
-          <p:nvPr>
-            <p:ph type="title"/>
-          </p:nvPr>
-        </p:nvSpPr>
-        <p:spPr/>
-        <p:txBody>
-          <a:bodyPr/>
-          <a:lstStyle/>
-          <a:p>
-            <a:r>
-              <a:rPr lang="en-US" dirty="0"/>
-              <a:t>Negative controls</a:t>
-            </a:r>
-          </a:p>
-        </p:txBody>
-      </p:sp>
-      <p:sp>
-        <p:nvSpPr>
-          <p:cNvPr id="3" name="Content Placeholder 2">
-            <a:extLst>
-              <a:ext uri="{FF2B5EF4-FFF2-40B4-BE49-F238E27FC236}">
-                <a16:creationId xmlns:a16="http://schemas.microsoft.com/office/drawing/2014/main" id="{B4870CA7-903B-3AEF-1795-41954B5D9CB6}"/>
-              </a:ext>
-            </a:extLst>
-          </p:cNvPr>
-          <p:cNvSpPr>
-            <a:spLocks noGrp="1"/>
-          </p:cNvSpPr>
-          <p:nvPr>
-            <p:ph idx="1"/>
-          </p:nvPr>
-        </p:nvSpPr>
-        <p:spPr/>
-        <p:txBody>
-          <a:bodyPr>
-            <a:normAutofit/>
-          </a:bodyPr>
-          <a:lstStyle/>
-          <a:p>
-            <a:pPr>
-              <a:lnSpc>
-                <a:spcPct val="115000"/>
-              </a:lnSpc>
-              <a:buFont typeface="Symbol" pitchFamily="2" charset="2"/>
-              <a:buChar char=""/>
-            </a:pPr>
-            <a:r>
-              <a:rPr lang="en-US" b="1" kern="100" dirty="0">
-                <a:effectLst/>
-                <a:latin typeface="Aptos" panose="020B0004020202020204" pitchFamily="34" charset="0"/>
-                <a:ea typeface="Aptos" panose="020B0004020202020204" pitchFamily="34" charset="0"/>
-                <a:cs typeface="Times New Roman" panose="02020603050405020304" pitchFamily="18" charset="0"/>
-              </a:rPr>
-              <a:t>What populations might be best to get negative controls from?</a:t>
-            </a:r>
-          </a:p>
-          <a:p>
-            <a:pPr lvl="1">
-              <a:lnSpc>
-                <a:spcPct val="115000"/>
-              </a:lnSpc>
-              <a:buFont typeface="Symbol" pitchFamily="2" charset="2"/>
-              <a:buChar char=""/>
-            </a:pPr>
-            <a:r>
-              <a:rPr lang="en-US" kern="100" dirty="0">
-                <a:effectLst/>
-                <a:latin typeface="Aptos" panose="020B0004020202020204" pitchFamily="34" charset="0"/>
-                <a:ea typeface="Aptos" panose="020B0004020202020204" pitchFamily="34" charset="0"/>
-                <a:cs typeface="Times New Roman" panose="02020603050405020304" pitchFamily="18" charset="0"/>
-              </a:rPr>
-              <a:t>Non-endemic area (likely to be adults)</a:t>
-            </a:r>
-          </a:p>
-          <a:p>
-            <a:pPr lvl="1">
-              <a:lnSpc>
-                <a:spcPct val="115000"/>
-              </a:lnSpc>
-              <a:buFont typeface="Symbol" pitchFamily="2" charset="2"/>
-              <a:buChar char=""/>
-            </a:pPr>
-            <a:r>
-              <a:rPr lang="en-US" kern="100" dirty="0">
-                <a:effectLst/>
-                <a:latin typeface="Aptos" panose="020B0004020202020204" pitchFamily="34" charset="0"/>
-                <a:ea typeface="Aptos" panose="020B0004020202020204" pitchFamily="34" charset="0"/>
-                <a:cs typeface="Times New Roman" panose="02020603050405020304" pitchFamily="18" charset="0"/>
-              </a:rPr>
-              <a:t>Very young presumed unexposed (likely to be from target population)</a:t>
-            </a:r>
-          </a:p>
-          <a:p>
-            <a:pPr>
-              <a:lnSpc>
-                <a:spcPct val="115000"/>
-              </a:lnSpc>
-              <a:buFont typeface="Symbol" pitchFamily="2" charset="2"/>
-              <a:buChar char=""/>
-            </a:pPr>
-            <a:endParaRPr lang="en-US" kern="100" dirty="0">
-              <a:effectLst/>
-              <a:latin typeface="Aptos" panose="020B0004020202020204" pitchFamily="34" charset="0"/>
-              <a:ea typeface="Aptos" panose="020B0004020202020204" pitchFamily="34" charset="0"/>
-              <a:cs typeface="Times New Roman" panose="02020603050405020304" pitchFamily="18" charset="0"/>
-            </a:endParaRPr>
-          </a:p>
-        </p:txBody>
-      </p:sp>
-    </p:spTree>
-    <p:extLst>
-      <p:ext uri="{BB962C8B-B14F-4D97-AF65-F5344CB8AC3E}">
-        <p14:creationId xmlns:p14="http://schemas.microsoft.com/office/powerpoint/2010/main" val="1563903188"/>
-      </p:ext>
-    </p:extLst>
-  </p:cSld>
-  <p:clrMapOvr>
-    <a:masterClrMapping/>
-  </p:clrMapOvr>
-</p:sld>
-</file>
-
-<file path=ppt/slides/slide27.xml><?xml version="1.0" encoding="utf-8"?>
-<p:sld xmlns:a="http://schemas.openxmlformats.org/drawingml/2006/main" xmlns:r="http://schemas.openxmlformats.org/officeDocument/2006/relationships" xmlns:p="http://schemas.openxmlformats.org/presentationml/2006/main">
-  <p:cSld>
-    <p:spTree>
-      <p:nvGrpSpPr>
-        <p:cNvPr id="1" name="">
-          <a:extLst>
-            <a:ext uri="{FF2B5EF4-FFF2-40B4-BE49-F238E27FC236}">
-              <a16:creationId xmlns:a16="http://schemas.microsoft.com/office/drawing/2014/main" id="{37A754C4-FF43-3212-563D-F35F1CC4EC1D}"/>
-            </a:ext>
-          </a:extLst>
-        </p:cNvPr>
-        <p:cNvGrpSpPr/>
-        <p:nvPr/>
-      </p:nvGrpSpPr>
-      <p:grpSpPr>
-        <a:xfrm>
-          <a:off x="0" y="0"/>
-          <a:ext cx="0" cy="0"/>
-          <a:chOff x="0" y="0"/>
-          <a:chExt cx="0" cy="0"/>
-        </a:xfrm>
-      </p:grpSpPr>
-      <p:sp>
-        <p:nvSpPr>
-          <p:cNvPr id="2" name="Title 1">
-            <a:extLst>
-              <a:ext uri="{FF2B5EF4-FFF2-40B4-BE49-F238E27FC236}">
-                <a16:creationId xmlns:a16="http://schemas.microsoft.com/office/drawing/2014/main" id="{BDD18FA0-69D7-C569-7D82-4A7057572ED1}"/>
-              </a:ext>
-            </a:extLst>
-          </p:cNvPr>
-          <p:cNvSpPr>
-            <a:spLocks noGrp="1"/>
-          </p:cNvSpPr>
-          <p:nvPr>
-            <p:ph type="title"/>
-          </p:nvPr>
-        </p:nvSpPr>
-        <p:spPr/>
-        <p:txBody>
-          <a:bodyPr/>
-          <a:lstStyle/>
-          <a:p>
-            <a:r>
-              <a:rPr lang="en-US" dirty="0"/>
-              <a:t>Negative controls</a:t>
-            </a:r>
-          </a:p>
-        </p:txBody>
-      </p:sp>
-      <p:sp>
-        <p:nvSpPr>
-          <p:cNvPr id="3" name="Content Placeholder 2">
-            <a:extLst>
-              <a:ext uri="{FF2B5EF4-FFF2-40B4-BE49-F238E27FC236}">
-                <a16:creationId xmlns:a16="http://schemas.microsoft.com/office/drawing/2014/main" id="{71336A5A-AA19-4D2A-8A79-4DDCE13F5EE5}"/>
-              </a:ext>
-            </a:extLst>
-          </p:cNvPr>
-          <p:cNvSpPr>
-            <a:spLocks noGrp="1"/>
-          </p:cNvSpPr>
-          <p:nvPr>
-            <p:ph idx="1"/>
-          </p:nvPr>
-        </p:nvSpPr>
-        <p:spPr/>
-        <p:txBody>
-          <a:bodyPr>
-            <a:normAutofit/>
-          </a:bodyPr>
-          <a:lstStyle/>
-          <a:p>
-            <a:pPr>
-              <a:lnSpc>
-                <a:spcPct val="115000"/>
-              </a:lnSpc>
-              <a:buFont typeface="Symbol" pitchFamily="2" charset="2"/>
-              <a:buChar char=""/>
-            </a:pPr>
-            <a:r>
-              <a:rPr lang="en-US" b="1" kern="100" dirty="0">
-                <a:effectLst/>
-                <a:latin typeface="Aptos" panose="020B0004020202020204" pitchFamily="34" charset="0"/>
-                <a:ea typeface="Aptos" panose="020B0004020202020204" pitchFamily="34" charset="0"/>
-                <a:cs typeface="Times New Roman" panose="02020603050405020304" pitchFamily="18" charset="0"/>
-              </a:rPr>
-              <a:t>What populations might be best to get negative controls from?</a:t>
-            </a:r>
-          </a:p>
-          <a:p>
-            <a:pPr lvl="1">
-              <a:lnSpc>
-                <a:spcPct val="115000"/>
-              </a:lnSpc>
-              <a:buFont typeface="Symbol" pitchFamily="2" charset="2"/>
-              <a:buChar char=""/>
-            </a:pPr>
-            <a:r>
-              <a:rPr lang="en-US" kern="100" dirty="0">
-                <a:effectLst/>
-                <a:latin typeface="Aptos" panose="020B0004020202020204" pitchFamily="34" charset="0"/>
-                <a:ea typeface="Aptos" panose="020B0004020202020204" pitchFamily="34" charset="0"/>
-                <a:cs typeface="Times New Roman" panose="02020603050405020304" pitchFamily="18" charset="0"/>
-              </a:rPr>
-              <a:t>Non-endemic area (likely to be adults)</a:t>
-            </a:r>
-          </a:p>
-          <a:p>
-            <a:pPr lvl="1">
-              <a:lnSpc>
-                <a:spcPct val="115000"/>
-              </a:lnSpc>
-              <a:buFont typeface="Symbol" pitchFamily="2" charset="2"/>
-              <a:buChar char=""/>
-            </a:pPr>
-            <a:r>
-              <a:rPr lang="en-US" kern="100" dirty="0">
-                <a:effectLst/>
-                <a:latin typeface="Aptos" panose="020B0004020202020204" pitchFamily="34" charset="0"/>
-                <a:ea typeface="Aptos" panose="020B0004020202020204" pitchFamily="34" charset="0"/>
-                <a:cs typeface="Times New Roman" panose="02020603050405020304" pitchFamily="18" charset="0"/>
-              </a:rPr>
-              <a:t>Very young presumed unexposed (likely to be from target population)</a:t>
-            </a:r>
-          </a:p>
-          <a:p>
-            <a:pPr>
-              <a:lnSpc>
-                <a:spcPct val="115000"/>
-              </a:lnSpc>
-              <a:buFont typeface="Symbol" pitchFamily="2" charset="2"/>
-              <a:buChar char=""/>
-            </a:pPr>
-            <a:r>
-              <a:rPr lang="en-US" b="1" kern="100" dirty="0">
-                <a:latin typeface="Aptos" panose="020B0004020202020204" pitchFamily="34" charset="0"/>
-                <a:ea typeface="Aptos" panose="020B0004020202020204" pitchFamily="34" charset="0"/>
-                <a:cs typeface="Times New Roman" panose="02020603050405020304" pitchFamily="18" charset="0"/>
-              </a:rPr>
-              <a:t>Why would you choose to get - or not get - controls from each of these populations?</a:t>
-            </a:r>
-            <a:endParaRPr lang="en-US" b="1" kern="100" dirty="0">
-              <a:effectLst/>
-              <a:latin typeface="Aptos" panose="020B0004020202020204" pitchFamily="34" charset="0"/>
-              <a:ea typeface="Aptos" panose="020B0004020202020204" pitchFamily="34" charset="0"/>
-              <a:cs typeface="Times New Roman" panose="02020603050405020304" pitchFamily="18" charset="0"/>
-            </a:endParaRPr>
-          </a:p>
-          <a:p>
-            <a:pPr>
-              <a:lnSpc>
-                <a:spcPct val="115000"/>
-              </a:lnSpc>
-              <a:buFont typeface="Symbol" pitchFamily="2" charset="2"/>
-              <a:buChar char=""/>
-            </a:pPr>
-            <a:endParaRPr lang="en-US" kern="100" dirty="0">
-              <a:effectLst/>
-              <a:latin typeface="Aptos" panose="020B0004020202020204" pitchFamily="34" charset="0"/>
-              <a:ea typeface="Aptos" panose="020B0004020202020204" pitchFamily="34" charset="0"/>
-              <a:cs typeface="Times New Roman" panose="02020603050405020304" pitchFamily="18" charset="0"/>
-            </a:endParaRPr>
-          </a:p>
-        </p:txBody>
-      </p:sp>
-    </p:spTree>
-    <p:extLst>
-      <p:ext uri="{BB962C8B-B14F-4D97-AF65-F5344CB8AC3E}">
-        <p14:creationId xmlns:p14="http://schemas.microsoft.com/office/powerpoint/2010/main" val="1211814404"/>
-      </p:ext>
-    </p:extLst>
-  </p:cSld>
-  <p:clrMapOvr>
-    <a:masterClrMapping/>
-  </p:clrMapOvr>
-</p:sld>
-</file>
-
-<file path=ppt/slides/slide28.xml><?xml version="1.0" encoding="utf-8"?>
-<p:sld xmlns:a="http://schemas.openxmlformats.org/drawingml/2006/main" xmlns:r="http://schemas.openxmlformats.org/officeDocument/2006/relationships" xmlns:p="http://schemas.openxmlformats.org/presentationml/2006/main">
-  <p:cSld>
-    <p:spTree>
-      <p:nvGrpSpPr>
-        <p:cNvPr id="1" name="">
-          <a:extLst>
-            <a:ext uri="{FF2B5EF4-FFF2-40B4-BE49-F238E27FC236}">
-              <a16:creationId xmlns:a16="http://schemas.microsoft.com/office/drawing/2014/main" id="{D5430584-8985-2020-66A1-A29AC931912A}"/>
-            </a:ext>
-          </a:extLst>
-        </p:cNvPr>
-        <p:cNvGrpSpPr/>
-        <p:nvPr/>
-      </p:nvGrpSpPr>
-      <p:grpSpPr>
-        <a:xfrm>
-          <a:off x="0" y="0"/>
-          <a:ext cx="0" cy="0"/>
-          <a:chOff x="0" y="0"/>
-          <a:chExt cx="0" cy="0"/>
-        </a:xfrm>
-      </p:grpSpPr>
-      <p:sp>
-        <p:nvSpPr>
-          <p:cNvPr id="2" name="Title 1">
-            <a:extLst>
-              <a:ext uri="{FF2B5EF4-FFF2-40B4-BE49-F238E27FC236}">
-                <a16:creationId xmlns:a16="http://schemas.microsoft.com/office/drawing/2014/main" id="{F44002B1-4207-947E-EA40-EF1347FE1089}"/>
-              </a:ext>
-            </a:extLst>
-          </p:cNvPr>
-          <p:cNvSpPr>
-            <a:spLocks noGrp="1"/>
-          </p:cNvSpPr>
-          <p:nvPr>
-            <p:ph type="title"/>
-          </p:nvPr>
-        </p:nvSpPr>
-        <p:spPr/>
-        <p:txBody>
-          <a:bodyPr/>
-          <a:lstStyle/>
-          <a:p>
-            <a:r>
-              <a:rPr lang="en-US" dirty="0"/>
-              <a:t>Negative controls</a:t>
-            </a:r>
-          </a:p>
-        </p:txBody>
-      </p:sp>
-      <p:sp>
-        <p:nvSpPr>
-          <p:cNvPr id="3" name="Content Placeholder 2">
-            <a:extLst>
-              <a:ext uri="{FF2B5EF4-FFF2-40B4-BE49-F238E27FC236}">
-                <a16:creationId xmlns:a16="http://schemas.microsoft.com/office/drawing/2014/main" id="{EBD1AA80-E257-4C0D-2941-6AABC4CF024C}"/>
-              </a:ext>
-            </a:extLst>
-          </p:cNvPr>
-          <p:cNvSpPr>
-            <a:spLocks noGrp="1"/>
-          </p:cNvSpPr>
-          <p:nvPr>
-            <p:ph idx="1"/>
-          </p:nvPr>
-        </p:nvSpPr>
-        <p:spPr/>
-        <p:txBody>
-          <a:bodyPr>
-            <a:normAutofit/>
-          </a:bodyPr>
-          <a:lstStyle/>
-          <a:p>
-            <a:pPr>
-              <a:lnSpc>
-                <a:spcPct val="115000"/>
-              </a:lnSpc>
-              <a:buFont typeface="Symbol" pitchFamily="2" charset="2"/>
-              <a:buChar char=""/>
-            </a:pPr>
-            <a:r>
-              <a:rPr lang="en-US" b="1" kern="100" dirty="0">
-                <a:effectLst/>
-                <a:latin typeface="Aptos" panose="020B0004020202020204" pitchFamily="34" charset="0"/>
-                <a:ea typeface="Aptos" panose="020B0004020202020204" pitchFamily="34" charset="0"/>
-                <a:cs typeface="Times New Roman" panose="02020603050405020304" pitchFamily="18" charset="0"/>
-              </a:rPr>
-              <a:t>What populations might be best to get negative controls from?</a:t>
-            </a:r>
-          </a:p>
-          <a:p>
-            <a:pPr lvl="1">
-              <a:lnSpc>
-                <a:spcPct val="115000"/>
-              </a:lnSpc>
-              <a:buFont typeface="Symbol" pitchFamily="2" charset="2"/>
-              <a:buChar char=""/>
-            </a:pPr>
-            <a:r>
-              <a:rPr lang="en-US" kern="100" dirty="0">
-                <a:effectLst/>
-                <a:latin typeface="Aptos" panose="020B0004020202020204" pitchFamily="34" charset="0"/>
-                <a:ea typeface="Aptos" panose="020B0004020202020204" pitchFamily="34" charset="0"/>
-                <a:cs typeface="Times New Roman" panose="02020603050405020304" pitchFamily="18" charset="0"/>
-              </a:rPr>
-              <a:t>Non-endemic area (likely to be adults)</a:t>
-            </a:r>
-          </a:p>
-          <a:p>
-            <a:pPr lvl="1">
-              <a:lnSpc>
-                <a:spcPct val="115000"/>
-              </a:lnSpc>
-              <a:buFont typeface="Symbol" pitchFamily="2" charset="2"/>
-              <a:buChar char=""/>
-            </a:pPr>
-            <a:r>
-              <a:rPr lang="en-US" kern="100" dirty="0">
-                <a:effectLst/>
-                <a:latin typeface="Aptos" panose="020B0004020202020204" pitchFamily="34" charset="0"/>
-                <a:ea typeface="Aptos" panose="020B0004020202020204" pitchFamily="34" charset="0"/>
-                <a:cs typeface="Times New Roman" panose="02020603050405020304" pitchFamily="18" charset="0"/>
-              </a:rPr>
-              <a:t>Very young presumed unexposed (likely to be from target population)</a:t>
-            </a:r>
-          </a:p>
-          <a:p>
-            <a:pPr>
-              <a:lnSpc>
-                <a:spcPct val="115000"/>
-              </a:lnSpc>
-              <a:buFont typeface="Symbol" pitchFamily="2" charset="2"/>
-              <a:buChar char=""/>
-            </a:pPr>
-            <a:r>
-              <a:rPr lang="en-US" b="1" kern="100" dirty="0">
-                <a:latin typeface="Aptos" panose="020B0004020202020204" pitchFamily="34" charset="0"/>
-                <a:ea typeface="Aptos" panose="020B0004020202020204" pitchFamily="34" charset="0"/>
-                <a:cs typeface="Times New Roman" panose="02020603050405020304" pitchFamily="18" charset="0"/>
-              </a:rPr>
-              <a:t>Why would you choose to get - or not get - controls from each of these populations?</a:t>
-            </a:r>
-          </a:p>
-          <a:p>
-            <a:pPr lvl="1">
-              <a:lnSpc>
-                <a:spcPct val="115000"/>
-              </a:lnSpc>
-              <a:buFont typeface="Symbol" pitchFamily="2" charset="2"/>
-              <a:buChar char=""/>
-            </a:pPr>
-            <a:r>
-              <a:rPr lang="en-US" kern="100" dirty="0">
-                <a:latin typeface="Aptos" panose="020B0004020202020204" pitchFamily="34" charset="0"/>
-                <a:ea typeface="Aptos" panose="020B0004020202020204" pitchFamily="34" charset="0"/>
-                <a:cs typeface="Times New Roman" panose="02020603050405020304" pitchFamily="18" charset="0"/>
-              </a:rPr>
-              <a:t>Controls from non-endemic area may differ from target population in many ways (geographic, socioeconomic, disease history)</a:t>
-            </a:r>
-          </a:p>
-          <a:p>
-            <a:pPr lvl="1">
-              <a:lnSpc>
-                <a:spcPct val="115000"/>
-              </a:lnSpc>
-              <a:buFont typeface="Symbol" pitchFamily="2" charset="2"/>
-              <a:buChar char=""/>
-            </a:pPr>
-            <a:r>
-              <a:rPr lang="en-US" kern="100" dirty="0">
-                <a:effectLst/>
-                <a:latin typeface="Aptos" panose="020B0004020202020204" pitchFamily="34" charset="0"/>
-                <a:ea typeface="Aptos" panose="020B0004020202020204" pitchFamily="34" charset="0"/>
-                <a:cs typeface="Times New Roman" panose="02020603050405020304" pitchFamily="18" charset="0"/>
-              </a:rPr>
-              <a:t>Very young immune systems vs. adult immune systems</a:t>
-            </a:r>
-          </a:p>
-          <a:p>
-            <a:pPr>
-              <a:lnSpc>
-                <a:spcPct val="115000"/>
-              </a:lnSpc>
-              <a:buFont typeface="Symbol" pitchFamily="2" charset="2"/>
-              <a:buChar char=""/>
-            </a:pPr>
-            <a:endParaRPr lang="en-US" kern="100" dirty="0">
-              <a:effectLst/>
-              <a:latin typeface="Aptos" panose="020B0004020202020204" pitchFamily="34" charset="0"/>
-              <a:ea typeface="Aptos" panose="020B0004020202020204" pitchFamily="34" charset="0"/>
-              <a:cs typeface="Times New Roman" panose="02020603050405020304" pitchFamily="18" charset="0"/>
-            </a:endParaRPr>
-          </a:p>
-        </p:txBody>
-      </p:sp>
-    </p:spTree>
-    <p:extLst>
-      <p:ext uri="{BB962C8B-B14F-4D97-AF65-F5344CB8AC3E}">
-        <p14:creationId xmlns:p14="http://schemas.microsoft.com/office/powerpoint/2010/main" val="3975271084"/>
-      </p:ext>
-    </p:extLst>
-  </p:cSld>
-  <p:clrMapOvr>
-    <a:masterClrMapping/>
-  </p:clrMapOvr>
-</p:sld>
-</file>
-
-<file path=ppt/slides/slide29.xml><?xml version="1.0" encoding="utf-8"?>
-<p:sld xmlns:a="http://schemas.openxmlformats.org/drawingml/2006/main" xmlns:r="http://schemas.openxmlformats.org/officeDocument/2006/relationships" xmlns:p="http://schemas.openxmlformats.org/presentationml/2006/main">
-  <p:cSld>
-    <p:spTree>
-      <p:nvGrpSpPr>
-        <p:cNvPr id="1" name=""/>
-        <p:cNvGrpSpPr/>
-        <p:nvPr/>
-      </p:nvGrpSpPr>
-      <p:grpSpPr>
-        <a:xfrm>
-          <a:off x="0" y="0"/>
-          <a:ext cx="0" cy="0"/>
-          <a:chOff x="0" y="0"/>
-          <a:chExt cx="0" cy="0"/>
-        </a:xfrm>
-      </p:grpSpPr>
-      <p:sp>
-        <p:nvSpPr>
-          <p:cNvPr id="2" name="Title 1">
-            <a:extLst>
-              <a:ext uri="{FF2B5EF4-FFF2-40B4-BE49-F238E27FC236}">
-                <a16:creationId xmlns:a16="http://schemas.microsoft.com/office/drawing/2014/main" id="{C57C8CBA-3D56-3D4D-EFC5-E6438AA4464B}"/>
-              </a:ext>
-            </a:extLst>
-          </p:cNvPr>
-          <p:cNvSpPr>
-            <a:spLocks noGrp="1"/>
-          </p:cNvSpPr>
-          <p:nvPr>
-            <p:ph type="title"/>
-          </p:nvPr>
-        </p:nvSpPr>
-        <p:spPr/>
-        <p:txBody>
-          <a:bodyPr/>
-          <a:lstStyle/>
-          <a:p>
-            <a:r>
-              <a:rPr lang="en-US" dirty="0"/>
-              <a:t>Controls</a:t>
-            </a:r>
-          </a:p>
-        </p:txBody>
-      </p:sp>
-      <p:sp>
-        <p:nvSpPr>
-          <p:cNvPr id="3" name="Content Placeholder 2">
-            <a:extLst>
-              <a:ext uri="{FF2B5EF4-FFF2-40B4-BE49-F238E27FC236}">
-                <a16:creationId xmlns:a16="http://schemas.microsoft.com/office/drawing/2014/main" id="{7BA8AEDE-9015-DCCE-B184-19C482A99E45}"/>
-              </a:ext>
-            </a:extLst>
-          </p:cNvPr>
-          <p:cNvSpPr>
-            <a:spLocks noGrp="1"/>
-          </p:cNvSpPr>
-          <p:nvPr>
-            <p:ph idx="1"/>
-          </p:nvPr>
-        </p:nvSpPr>
-        <p:spPr/>
-        <p:txBody>
-          <a:bodyPr/>
-          <a:lstStyle/>
-          <a:p>
-            <a:pPr marL="0" indent="0" algn="ctr">
-              <a:buNone/>
-            </a:pPr>
-            <a:endParaRPr lang="en-US" sz="3600" b="1" kern="100" dirty="0">
-              <a:latin typeface="Aptos" panose="020B0004020202020204" pitchFamily="34" charset="0"/>
-              <a:ea typeface="Aptos" panose="020B0004020202020204" pitchFamily="34" charset="0"/>
-              <a:cs typeface="Times New Roman" panose="02020603050405020304" pitchFamily="18" charset="0"/>
-            </a:endParaRPr>
-          </a:p>
-          <a:p>
-            <a:pPr marL="0" indent="0" algn="ctr">
-              <a:buNone/>
-            </a:pPr>
-            <a:r>
-              <a:rPr lang="en-US" sz="3600" b="1" kern="100" dirty="0">
-                <a:latin typeface="Aptos" panose="020B0004020202020204" pitchFamily="34" charset="0"/>
-                <a:ea typeface="Aptos" panose="020B0004020202020204" pitchFamily="34" charset="0"/>
-                <a:cs typeface="Times New Roman" panose="02020603050405020304" pitchFamily="18" charset="0"/>
-              </a:rPr>
-              <a:t>Y</a:t>
-            </a:r>
-            <a:r>
-              <a:rPr lang="en-US" sz="3600" b="1" kern="100" dirty="0">
-                <a:effectLst/>
-                <a:latin typeface="Aptos" panose="020B0004020202020204" pitchFamily="34" charset="0"/>
-                <a:ea typeface="Aptos" panose="020B0004020202020204" pitchFamily="34" charset="0"/>
-                <a:cs typeface="Times New Roman" panose="02020603050405020304" pitchFamily="18" charset="0"/>
-              </a:rPr>
-              <a:t>ou may not have ideal controls. </a:t>
-            </a:r>
-          </a:p>
-          <a:p>
-            <a:pPr marL="0" indent="0" algn="ctr">
-              <a:buNone/>
-            </a:pPr>
-            <a:endParaRPr lang="en-US" sz="3600" b="1" kern="100" dirty="0">
-              <a:latin typeface="Aptos" panose="020B0004020202020204" pitchFamily="34" charset="0"/>
-              <a:ea typeface="Aptos" panose="020B0004020202020204" pitchFamily="34" charset="0"/>
-              <a:cs typeface="Times New Roman" panose="02020603050405020304" pitchFamily="18" charset="0"/>
-            </a:endParaRPr>
-          </a:p>
-          <a:p>
-            <a:pPr marL="0" indent="0" algn="ctr">
-              <a:buNone/>
-            </a:pPr>
-            <a:r>
-              <a:rPr lang="en-US" sz="3600" b="1" kern="100" dirty="0">
-                <a:effectLst/>
-                <a:latin typeface="Aptos" panose="020B0004020202020204" pitchFamily="34" charset="0"/>
-                <a:ea typeface="Aptos" panose="020B0004020202020204" pitchFamily="34" charset="0"/>
-                <a:cs typeface="Times New Roman" panose="02020603050405020304" pitchFamily="18" charset="0"/>
-              </a:rPr>
-              <a:t>You should understand the assumptions/biases of your controls!</a:t>
-            </a:r>
-            <a:endParaRPr lang="en-US" sz="3600" kern="100" dirty="0">
-              <a:effectLst/>
-              <a:latin typeface="Aptos" panose="020B0004020202020204" pitchFamily="34" charset="0"/>
-              <a:ea typeface="Aptos" panose="020B0004020202020204" pitchFamily="34" charset="0"/>
-              <a:cs typeface="Times New Roman" panose="02020603050405020304" pitchFamily="18" charset="0"/>
-            </a:endParaRPr>
-          </a:p>
-          <a:p>
-            <a:endParaRPr lang="en-US" dirty="0"/>
-          </a:p>
-        </p:txBody>
-      </p:sp>
-    </p:spTree>
-    <p:extLst>
-      <p:ext uri="{BB962C8B-B14F-4D97-AF65-F5344CB8AC3E}">
-        <p14:creationId xmlns:p14="http://schemas.microsoft.com/office/powerpoint/2010/main" val="2410735319"/>
+        <p14:creationId xmlns:p14="http://schemas.microsoft.com/office/powerpoint/2010/main" val="2160286257"/>
       </p:ext>
     </p:extLst>
   </p:cSld>
@@ -10895,106 +9075,6 @@
     <p:extLst>
       <p:ext uri="{BB962C8B-B14F-4D97-AF65-F5344CB8AC3E}">
         <p14:creationId xmlns:p14="http://schemas.microsoft.com/office/powerpoint/2010/main" val="2682364400"/>
-      </p:ext>
-    </p:extLst>
-  </p:cSld>
-  <p:clrMapOvr>
-    <a:masterClrMapping/>
-  </p:clrMapOvr>
-</p:sld>
-</file>
-
-<file path=ppt/slides/slide30.xml><?xml version="1.0" encoding="utf-8"?>
-<p:sld xmlns:a="http://schemas.openxmlformats.org/drawingml/2006/main" xmlns:r="http://schemas.openxmlformats.org/officeDocument/2006/relationships" xmlns:p="http://schemas.openxmlformats.org/presentationml/2006/main">
-  <p:cSld>
-    <p:spTree>
-      <p:nvGrpSpPr>
-        <p:cNvPr id="1" name=""/>
-        <p:cNvGrpSpPr/>
-        <p:nvPr/>
-      </p:nvGrpSpPr>
-      <p:grpSpPr>
-        <a:xfrm>
-          <a:off x="0" y="0"/>
-          <a:ext cx="0" cy="0"/>
-          <a:chOff x="0" y="0"/>
-          <a:chExt cx="0" cy="0"/>
-        </a:xfrm>
-      </p:grpSpPr>
-      <p:sp>
-        <p:nvSpPr>
-          <p:cNvPr id="2" name="Title 1">
-            <a:extLst>
-              <a:ext uri="{FF2B5EF4-FFF2-40B4-BE49-F238E27FC236}">
-                <a16:creationId xmlns:a16="http://schemas.microsoft.com/office/drawing/2014/main" id="{210510F7-6FB9-CB6D-166B-B0B1018724BB}"/>
-              </a:ext>
-            </a:extLst>
-          </p:cNvPr>
-          <p:cNvSpPr>
-            <a:spLocks noGrp="1"/>
-          </p:cNvSpPr>
-          <p:nvPr>
-            <p:ph type="title"/>
-          </p:nvPr>
-        </p:nvSpPr>
-        <p:spPr/>
-        <p:txBody>
-          <a:bodyPr/>
-          <a:lstStyle/>
-          <a:p>
-            <a:r>
-              <a:rPr lang="en-US" dirty="0"/>
-              <a:t>Conclusions</a:t>
-            </a:r>
-          </a:p>
-        </p:txBody>
-      </p:sp>
-      <p:sp>
-        <p:nvSpPr>
-          <p:cNvPr id="3" name="Content Placeholder 2">
-            <a:extLst>
-              <a:ext uri="{FF2B5EF4-FFF2-40B4-BE49-F238E27FC236}">
-                <a16:creationId xmlns:a16="http://schemas.microsoft.com/office/drawing/2014/main" id="{39CCD9E5-F605-FC4F-6971-2ED435FBD898}"/>
-              </a:ext>
-            </a:extLst>
-          </p:cNvPr>
-          <p:cNvSpPr>
-            <a:spLocks noGrp="1"/>
-          </p:cNvSpPr>
-          <p:nvPr>
-            <p:ph idx="1"/>
-          </p:nvPr>
-        </p:nvSpPr>
-        <p:spPr/>
-        <p:txBody>
-          <a:bodyPr>
-            <a:normAutofit/>
-          </a:bodyPr>
-          <a:lstStyle/>
-          <a:p>
-            <a:r>
-              <a:rPr lang="en-US" sz="3000" dirty="0"/>
-              <a:t>You should visualize your data before conducting analysis.</a:t>
-            </a:r>
-          </a:p>
-          <a:p>
-            <a:r>
-              <a:rPr lang="en-US" sz="3000" dirty="0"/>
-              <a:t>It can be useful to classify samples as seropositive and seronegative, and to calculate seropositivity.</a:t>
-            </a:r>
-          </a:p>
-          <a:p>
-            <a:r>
-              <a:rPr lang="en-US" sz="3000" dirty="0"/>
-              <a:t>It’s important to understand the controls you use, and think about how these may affect your inference.</a:t>
-            </a:r>
-          </a:p>
-        </p:txBody>
-      </p:sp>
-    </p:spTree>
-    <p:extLst>
-      <p:ext uri="{BB962C8B-B14F-4D97-AF65-F5344CB8AC3E}">
-        <p14:creationId xmlns:p14="http://schemas.microsoft.com/office/powerpoint/2010/main" val="2160286257"/>
       </p:ext>
     </p:extLst>
   </p:cSld>

--- a/Part 4/Lecture 4.pptx
+++ b/Part 4/Lecture 4.pptx
@@ -4886,7 +4886,7 @@
           <a:p>
             <a:r>
               <a:rPr lang="en-US" sz="2400" b="1" dirty="0"/>
-              <a:t>We can convert between MFI and IU/mL using a standard curve: </a:t>
+              <a:t>We can convert from MFIs to IU/mL using a standard curve: </a:t>
             </a:r>
             <a:r>
               <a:rPr lang="en-US" sz="2400" dirty="0"/>
@@ -5076,7 +5076,7 @@
           <a:p>
             <a:r>
               <a:rPr lang="en-US" dirty="0"/>
-              <a:t>Getting MFI values from standard curves </a:t>
+              <a:t>Converting MFI values to standardized units (IU/mL) from standard curves</a:t>
             </a:r>
           </a:p>
         </p:txBody>
@@ -5719,7 +5719,7 @@
             </a:pPr>
             <a:r>
               <a:rPr lang="en-US" dirty="0"/>
-              <a:t>Then, we can use this model to convert MFI values for the samples of interest to IU/</a:t>
+              <a:t>Then, we can use this model to convert MFI values for the samples of interest to values in IU/</a:t>
             </a:r>
             <a:r>
               <a:rPr lang="en-US" dirty="0" err="1"/>
@@ -7342,8 +7342,8 @@
           </a:p>
         </p:txBody>
       </p:sp>
-      <mc:AlternateContent xmlns:mc="http://schemas.openxmlformats.org/markup-compatibility/2006">
-        <mc:Choice xmlns:a14="http://schemas.microsoft.com/office/drawing/2010/main" Requires="a14">
+      <mc:AlternateContent xmlns:mc="http://schemas.openxmlformats.org/markup-compatibility/2006" xmlns:a14="http://schemas.microsoft.com/office/drawing/2010/main">
+        <mc:Choice Requires="a14">
           <p:sp>
             <p:nvSpPr>
               <p:cNvPr id="7" name="TextBox 6">
@@ -7595,7 +7595,7 @@
             </p:txBody>
           </p:sp>
         </mc:Choice>
-        <mc:Fallback>
+        <mc:Fallback xmlns="">
           <p:sp>
             <p:nvSpPr>
               <p:cNvPr id="7" name="TextBox 6">
@@ -8711,7 +8711,19 @@
           <a:p>
             <a:r>
               <a:rPr lang="en-US" dirty="0"/>
-              <a:t>Calculating seroprevalence from a cutoff</a:t>
+              <a:t>Converting MFI values to standardized units (IU/mL)</a:t>
+            </a:r>
+          </a:p>
+          <a:p>
+            <a:r>
+              <a:rPr lang="en-US" dirty="0"/>
+              <a:t>Applying an externally-defined cutoff to calculate seroprevalence</a:t>
+            </a:r>
+          </a:p>
+          <a:p>
+            <a:r>
+              <a:rPr lang="en-US" dirty="0"/>
+              <a:t>Calculating confidence intervals for seroprevalence</a:t>
             </a:r>
           </a:p>
         </p:txBody>
@@ -8930,7 +8942,7 @@
         <p:spPr/>
         <p:txBody>
           <a:bodyPr>
-            <a:normAutofit/>
+            <a:normAutofit lnSpcReduction="10000"/>
           </a:bodyPr>
           <a:lstStyle/>
           <a:p>
@@ -8942,7 +8954,44 @@
           <a:p>
             <a:r>
               <a:rPr lang="en-US" sz="3000" dirty="0"/>
-              <a:t>It can be useful to classify samples as seropositive and seronegative, and to calculate seroprevalence.</a:t>
+              <a:t>It can be useful to classify samples as seropositive and seronegative for direct interpretation of serological results.</a:t>
+            </a:r>
+          </a:p>
+          <a:p>
+            <a:r>
+              <a:rPr lang="en-US" sz="3000" dirty="0"/>
+              <a:t>For some pathogens, the existence of </a:t>
+            </a:r>
+            <a:r>
+              <a:rPr lang="en-US" sz="3000" b="1" dirty="0"/>
+              <a:t>externally-defined correlates of protection</a:t>
+            </a:r>
+            <a:r>
+              <a:rPr lang="en-US" sz="3000" dirty="0"/>
+              <a:t> and the availability of </a:t>
+            </a:r>
+            <a:r>
+              <a:rPr lang="en-US" sz="3000" b="1" dirty="0"/>
+              <a:t>(international) antibody standards</a:t>
+            </a:r>
+            <a:r>
+              <a:rPr lang="en-US" sz="3000" dirty="0"/>
+              <a:t> make it straightforward to calculate and interpret seroprevalence. </a:t>
+            </a:r>
+            <a:r>
+              <a:rPr lang="en-US" sz="3000" dirty="0">
+                <a:solidFill>
+                  <a:srgbClr val="C00000"/>
+                </a:solidFill>
+              </a:rPr>
+              <a:t>This is not the case for all pathogens!</a:t>
+            </a:r>
+            <a:endParaRPr lang="en-US" sz="3000" dirty="0"/>
+          </a:p>
+          <a:p>
+            <a:r>
+              <a:rPr lang="en-US" sz="3000" dirty="0"/>
+              <a:t>We can use a statistical model to produce confidence intervals around the mean seroprevalence estimate.</a:t>
             </a:r>
           </a:p>
         </p:txBody>
